--- a/005Submisson/001ProjPlanPresentation/ProjectPlanPresentation.pptx
+++ b/005Submisson/001ProjPlanPresentation/ProjectPlanPresentation.pptx
@@ -5,39 +5,39 @@
     <p:sldMasterId id="2147483648" r:id="rId1"/>
   </p:sldMasterIdLst>
   <p:notesMasterIdLst>
-    <p:notesMasterId r:id="rId15"/>
+    <p:notesMasterId r:id="rId27"/>
   </p:notesMasterIdLst>
   <p:sldIdLst>
-    <p:sldId id="256" r:id="rId3"/>
-    <p:sldId id="273" r:id="rId4"/>
-    <p:sldId id="274" r:id="rId5"/>
-    <p:sldId id="275" r:id="rId6"/>
-    <p:sldId id="265" r:id="rId7"/>
-    <p:sldId id="276" r:id="rId8"/>
-    <p:sldId id="277" r:id="rId9"/>
-    <p:sldId id="278" r:id="rId10"/>
-    <p:sldId id="279" r:id="rId11"/>
-    <p:sldId id="280" r:id="rId12"/>
-    <p:sldId id="281" r:id="rId13"/>
-    <p:sldId id="282" r:id="rId14"/>
-    <p:sldId id="263" r:id="rId16"/>
-    <p:sldId id="266" r:id="rId17"/>
-    <p:sldId id="267" r:id="rId18"/>
-    <p:sldId id="269" r:id="rId19"/>
-    <p:sldId id="271" r:id="rId20"/>
-    <p:sldId id="264" r:id="rId21"/>
-    <p:sldId id="270" r:id="rId22"/>
-    <p:sldId id="272" r:id="rId23"/>
-    <p:sldId id="283" r:id="rId24"/>
-    <p:sldId id="286" r:id="rId25"/>
-    <p:sldId id="285" r:id="rId26"/>
-    <p:sldId id="287" r:id="rId27"/>
-    <p:sldId id="260" r:id="rId28"/>
+    <p:sldId id="256" r:id="rId2"/>
+    <p:sldId id="273" r:id="rId3"/>
+    <p:sldId id="274" r:id="rId4"/>
+    <p:sldId id="275" r:id="rId5"/>
+    <p:sldId id="265" r:id="rId6"/>
+    <p:sldId id="276" r:id="rId7"/>
+    <p:sldId id="277" r:id="rId8"/>
+    <p:sldId id="278" r:id="rId9"/>
+    <p:sldId id="279" r:id="rId10"/>
+    <p:sldId id="280" r:id="rId11"/>
+    <p:sldId id="281" r:id="rId12"/>
+    <p:sldId id="282" r:id="rId13"/>
+    <p:sldId id="263" r:id="rId14"/>
+    <p:sldId id="266" r:id="rId15"/>
+    <p:sldId id="267" r:id="rId16"/>
+    <p:sldId id="269" r:id="rId17"/>
+    <p:sldId id="271" r:id="rId18"/>
+    <p:sldId id="264" r:id="rId19"/>
+    <p:sldId id="270" r:id="rId20"/>
+    <p:sldId id="272" r:id="rId21"/>
+    <p:sldId id="283" r:id="rId22"/>
+    <p:sldId id="286" r:id="rId23"/>
+    <p:sldId id="285" r:id="rId24"/>
+    <p:sldId id="287" r:id="rId25"/>
+    <p:sldId id="260" r:id="rId26"/>
   </p:sldIdLst>
   <p:sldSz cx="9144000" cy="5143500" type="screen16x9"/>
   <p:notesSz cx="6858000" cy="9947275"/>
   <p:custDataLst>
-    <p:tags r:id="rId32"/>
+    <p:tags r:id="rId28"/>
   </p:custDataLst>
   <p:defaultTextStyle>
     <a:defPPr>
@@ -149,6 +149,20 @@
         </p15:guide>
       </p15:sldGuideLst>
     </p:ext>
+    <p:ext uri="{2D200454-40CA-4A62-9FC3-DE9A4176ACB9}">
+      <p15:notesGuideLst xmlns:p15="http://schemas.microsoft.com/office/powerpoint/2012/main">
+        <p15:guide id="1" orient="horz" pos="3094">
+          <p15:clr>
+            <a:srgbClr val="A4A3A4"/>
+          </p15:clr>
+        </p15:guide>
+        <p15:guide id="2" pos="2162">
+          <p15:clr>
+            <a:srgbClr val="A4A3A4"/>
+          </p15:clr>
+        </p15:guide>
+      </p15:notesGuideLst>
+    </p:ext>
   </p:extLst>
 </p:presentation>
 </file>
@@ -236,7 +250,6 @@
               <a:rPr lang="en-US"/>
               <a:t>Click to edit Master text styles</a:t>
             </a:r>
-            <a:endParaRPr lang="en-US"/>
           </a:p>
           <a:p>
             <a:pPr lvl="1"/>
@@ -244,7 +257,6 @@
               <a:rPr lang="en-US"/>
               <a:t>Second level</a:t>
             </a:r>
-            <a:endParaRPr lang="en-US"/>
           </a:p>
           <a:p>
             <a:pPr lvl="2"/>
@@ -252,7 +264,6 @@
               <a:rPr lang="en-US"/>
               <a:t>Third level</a:t>
             </a:r>
-            <a:endParaRPr lang="en-US"/>
           </a:p>
           <a:p>
             <a:pPr lvl="3"/>
@@ -260,7 +271,6 @@
               <a:rPr lang="en-US"/>
               <a:t>Fourth level</a:t>
             </a:r>
-            <a:endParaRPr lang="en-US"/>
           </a:p>
           <a:p>
             <a:pPr lvl="4"/>
@@ -304,6 +314,7 @@
           <a:p>
             <a:fld id="{49DD4D23-C98A-435E-AE88-9061F8349B02}" type="slidenum">
               <a:rPr lang="en-GB" smtClean="0"/>
+              <a:t>‹#›</a:t>
             </a:fld>
             <a:endParaRPr lang="en-GB"/>
           </a:p>
@@ -472,6 +483,7 @@
           <a:p>
             <a:fld id="{49DD4D23-C98A-435E-AE88-9061F8349B02}" type="slidenum">
               <a:rPr lang="en-GB" smtClean="0"/>
+              <a:t>12</a:t>
             </a:fld>
             <a:endParaRPr lang="en-GB"/>
           </a:p>
@@ -550,6 +562,7 @@
           <a:p>
             <a:fld id="{49DD4D23-C98A-435E-AE88-9061F8349B02}" type="slidenum">
               <a:rPr lang="en-GB" smtClean="0"/>
+              <a:t>16</a:t>
             </a:fld>
             <a:endParaRPr lang="en-GB"/>
           </a:p>
@@ -623,7 +636,6 @@
               <a:rPr lang="en-IE" altLang="zh-CN" sz="1200" dirty="0"/>
               <a:t>,  I am responsible for the System Integration and Code Lint and Review</a:t>
             </a:r>
-            <a:endParaRPr lang="en-IE" altLang="zh-CN" sz="1200" dirty="0"/>
           </a:p>
           <a:p>
             <a:r>
@@ -646,7 +658,6 @@
               <a:rPr lang="en-US" altLang="zh-CN" dirty="0"/>
               <a:t> of this project</a:t>
             </a:r>
-            <a:endParaRPr lang="en-US" altLang="zh-CN" dirty="0"/>
           </a:p>
           <a:p>
             <a:endParaRPr lang="en-US" altLang="zh-CN" dirty="0"/>
@@ -664,7 +675,6 @@
               <a:rPr lang="en-US" altLang="zh-CN" dirty="0"/>
               <a:t> of the whole system</a:t>
             </a:r>
-            <a:endParaRPr lang="en-US" altLang="zh-CN" dirty="0"/>
           </a:p>
           <a:p>
             <a:r>
@@ -679,7 +689,6 @@
               <a:rPr lang="en-US" altLang="zh-CN" dirty="0"/>
               <a:t>. In Each layer, we package different functions as a module.</a:t>
             </a:r>
-            <a:endParaRPr lang="en-US" altLang="zh-CN" dirty="0"/>
           </a:p>
           <a:p>
             <a:r>
@@ -694,7 +703,6 @@
               <a:rPr lang="en-US" altLang="zh-CN" dirty="0"/>
               <a:t>, when we push the matting command button on the user interface, this will call the matting application in the app layer and then call the algorithm functions in the function layer.</a:t>
             </a:r>
-            <a:endParaRPr lang="en-US" altLang="zh-CN" dirty="0"/>
           </a:p>
           <a:p>
             <a:endParaRPr lang="en-US" altLang="zh-CN" dirty="0"/>
@@ -712,7 +720,6 @@
               <a:rPr lang="en-US" altLang="zh-CN" dirty="0"/>
               <a:t> the users from the underlying layers and make it a truly application not only original code.</a:t>
             </a:r>
-            <a:endParaRPr lang="en-US" altLang="zh-CN" dirty="0"/>
           </a:p>
           <a:p>
             <a:r>
@@ -727,7 +734,6 @@
               <a:rPr lang="en-US" altLang="zh-CN" dirty="0"/>
               <a:t> design, we could improve the robust of the program, make the test and implement much easier. </a:t>
             </a:r>
-            <a:endParaRPr lang="en-US" altLang="zh-CN" dirty="0"/>
           </a:p>
           <a:p>
             <a:endParaRPr lang="zh-CN" altLang="en-US" dirty="0"/>
@@ -751,6 +757,7 @@
           <a:p>
             <a:fld id="{49DD4D23-C98A-435E-AE88-9061F8349B02}" type="slidenum">
               <a:rPr lang="en-GB" smtClean="0"/>
+              <a:t>21</a:t>
             </a:fld>
             <a:endParaRPr lang="en-GB"/>
           </a:p>
@@ -828,14 +835,12 @@
               <a:rPr lang="en-US" altLang="zh-CN" dirty="0"/>
               <a:t> version and a python version.</a:t>
             </a:r>
-            <a:endParaRPr lang="en-US" altLang="zh-CN" dirty="0"/>
           </a:p>
           <a:p>
             <a:r>
               <a:rPr lang="en-US" altLang="zh-CN" dirty="0"/>
               <a:t>1.In each implementation flow, we have four part as the …</a:t>
             </a:r>
-            <a:endParaRPr lang="en-US" altLang="zh-CN" dirty="0"/>
           </a:p>
           <a:p>
             <a:r>
@@ -850,7 +855,6 @@
               <a:rPr lang="en-US" altLang="zh-CN" dirty="0"/>
               <a:t>, a little difference is that we will try to implement some AI tech on building the tri-map instead of manually marking.</a:t>
             </a:r>
-            <a:endParaRPr lang="en-US" altLang="zh-CN" dirty="0"/>
           </a:p>
           <a:p>
             <a:endParaRPr lang="zh-CN" altLang="en-US" dirty="0"/>
@@ -874,6 +878,7 @@
           <a:p>
             <a:fld id="{49DD4D23-C98A-435E-AE88-9061F8349B02}" type="slidenum">
               <a:rPr lang="en-GB" smtClean="0"/>
+              <a:t>22</a:t>
             </a:fld>
             <a:endParaRPr lang="en-GB"/>
           </a:p>
@@ -935,14 +940,12 @@
               <a:rPr lang="en-US" altLang="zh-CN" dirty="0"/>
               <a:t>To build up these applications on time, we need a timeline and milestones.</a:t>
             </a:r>
-            <a:endParaRPr lang="en-US" altLang="zh-CN" dirty="0"/>
           </a:p>
           <a:p>
             <a:r>
               <a:rPr lang="en-US" altLang="zh-CN" dirty="0"/>
               <a:t>We use Gantt plan to build up the timeline and mark the milestone of the project.</a:t>
             </a:r>
-            <a:endParaRPr lang="en-US" altLang="zh-CN" dirty="0"/>
           </a:p>
           <a:p>
             <a:endParaRPr lang="en-US" altLang="zh-CN" dirty="0"/>
@@ -952,7 +955,6 @@
               <a:rPr lang="en-US" altLang="zh-CN" dirty="0"/>
               <a:t>We split the tasks to small ones and mark the description…</a:t>
             </a:r>
-            <a:endParaRPr lang="en-US" altLang="zh-CN" dirty="0"/>
           </a:p>
           <a:p>
             <a:endParaRPr lang="en-US" altLang="zh-CN" dirty="0"/>
@@ -962,7 +964,6 @@
               <a:rPr lang="en-US" altLang="zh-CN" dirty="0"/>
               <a:t>With this Gantt chart, we can clearly find out what we need to do weekly and easily manage the project process.</a:t>
             </a:r>
-            <a:endParaRPr lang="en-US" altLang="zh-CN" dirty="0"/>
           </a:p>
           <a:p>
             <a:endParaRPr lang="zh-CN" altLang="en-US" dirty="0"/>
@@ -986,6 +987,7 @@
           <a:p>
             <a:fld id="{49DD4D23-C98A-435E-AE88-9061F8349B02}" type="slidenum">
               <a:rPr lang="en-GB" smtClean="0"/>
+              <a:t>23</a:t>
             </a:fld>
             <a:endParaRPr lang="en-GB"/>
           </a:p>
@@ -1064,6 +1066,7 @@
           <a:p>
             <a:fld id="{49DD4D23-C98A-435E-AE88-9061F8349B02}" type="slidenum">
               <a:rPr lang="en-GB" smtClean="0"/>
+              <a:t>24</a:t>
             </a:fld>
             <a:endParaRPr lang="en-GB"/>
           </a:p>
@@ -1078,7 +1081,7 @@
 </file>
 
 <file path=ppt/slideLayouts/slideLayout1.xml><?xml version="1.0" encoding="utf-8"?>
-<p:sldLayout xmlns:a="http://schemas.openxmlformats.org/drawingml/2006/main" xmlns:r="http://schemas.openxmlformats.org/officeDocument/2006/relationships" xmlns:p="http://schemas.openxmlformats.org/presentationml/2006/main" preserve="1" showMasterSp="0" userDrawn="1">
+<p:sldLayout xmlns:a="http://schemas.openxmlformats.org/drawingml/2006/main" xmlns:r="http://schemas.openxmlformats.org/officeDocument/2006/relationships" xmlns:p="http://schemas.openxmlformats.org/presentationml/2006/main" showMasterSp="0" preserve="1" userDrawn="1">
   <p:cSld name="Title Slide">
     <p:spTree>
       <p:nvGrpSpPr>
@@ -1355,7 +1358,6 @@
               <a:rPr lang="en-US"/>
               <a:t>Click to edit Master text styles</a:t>
             </a:r>
-            <a:endParaRPr lang="en-US"/>
           </a:p>
           <a:p>
             <a:pPr lvl="1"/>
@@ -1363,7 +1365,6 @@
               <a:rPr lang="en-US"/>
               <a:t>Second level</a:t>
             </a:r>
-            <a:endParaRPr lang="en-US"/>
           </a:p>
           <a:p>
             <a:pPr lvl="2"/>
@@ -1371,7 +1372,6 @@
               <a:rPr lang="en-US"/>
               <a:t>Third level</a:t>
             </a:r>
-            <a:endParaRPr lang="en-US"/>
           </a:p>
         </p:txBody>
       </p:sp>
@@ -1447,6 +1447,7 @@
           <a:p>
             <a:fld id="{0B669E47-B5DC-4B8A-896A-B0B564DCF9E2}" type="slidenum">
               <a:rPr/>
+              <a:t>‹#›</a:t>
             </a:fld>
             <a:endParaRPr/>
           </a:p>
@@ -1525,7 +1526,6 @@
               <a:rPr lang="en-US" dirty="0"/>
               <a:t>Click to edit Master text styles</a:t>
             </a:r>
-            <a:endParaRPr lang="en-US" dirty="0"/>
           </a:p>
           <a:p>
             <a:pPr lvl="1"/>
@@ -1533,7 +1533,6 @@
               <a:rPr lang="en-US" dirty="0"/>
               <a:t>Second level</a:t>
             </a:r>
-            <a:endParaRPr lang="en-US" dirty="0"/>
           </a:p>
           <a:p>
             <a:pPr lvl="2"/>
@@ -1541,7 +1540,6 @@
               <a:rPr lang="en-US" dirty="0"/>
               <a:t>Third level</a:t>
             </a:r>
-            <a:endParaRPr lang="en-US" dirty="0"/>
           </a:p>
           <a:p>
             <a:pPr lvl="3"/>
@@ -1549,7 +1547,6 @@
               <a:rPr lang="en-US" dirty="0"/>
               <a:t>Fourth level</a:t>
             </a:r>
-            <a:endParaRPr lang="en-US" dirty="0"/>
           </a:p>
           <a:p>
             <a:pPr lvl="4"/>
@@ -1594,7 +1591,6 @@
               <a:rPr lang="en-US"/>
               <a:t>Click to edit Master text styles</a:t>
             </a:r>
-            <a:endParaRPr lang="en-US"/>
           </a:p>
         </p:txBody>
       </p:sp>
@@ -1631,6 +1627,7 @@
           <a:p>
             <a:fld id="{DDBE135E-2566-4748-853C-8A3B78F0FB00}" type="slidenum">
               <a:rPr lang="en-GB" smtClean="0"/>
+              <a:t>‹#›</a:t>
             </a:fld>
             <a:endParaRPr lang="en-GB" dirty="0"/>
           </a:p>
@@ -1645,7 +1642,7 @@
 </file>
 
 <file path=ppt/slideLayouts/slideLayout3.xml><?xml version="1.0" encoding="utf-8"?>
-<p:sldLayout xmlns:a="http://schemas.openxmlformats.org/drawingml/2006/main" xmlns:r="http://schemas.openxmlformats.org/officeDocument/2006/relationships" xmlns:p="http://schemas.openxmlformats.org/presentationml/2006/main" preserve="1" showMasterSp="0" userDrawn="1">
+<p:sldLayout xmlns:a="http://schemas.openxmlformats.org/drawingml/2006/main" xmlns:r="http://schemas.openxmlformats.org/officeDocument/2006/relationships" xmlns:p="http://schemas.openxmlformats.org/presentationml/2006/main" showMasterSp="0" preserve="1" userDrawn="1">
   <p:cSld name="Title &amp; 2 Column Content 20pt">
     <p:spTree>
       <p:nvGrpSpPr>
@@ -1763,7 +1760,6 @@
               <a:rPr lang="en-US"/>
               <a:t>Click to edit Master text styles</a:t>
             </a:r>
-            <a:endParaRPr lang="en-US"/>
           </a:p>
         </p:txBody>
       </p:sp>
@@ -1827,7 +1823,6 @@
               <a:rPr lang="en-US" dirty="0"/>
               <a:t>Click to edit Master text styles</a:t>
             </a:r>
-            <a:endParaRPr lang="en-US" dirty="0"/>
           </a:p>
           <a:p>
             <a:pPr lvl="1"/>
@@ -1835,7 +1830,6 @@
               <a:rPr lang="en-US" dirty="0"/>
               <a:t>Second level</a:t>
             </a:r>
-            <a:endParaRPr lang="en-US" dirty="0"/>
           </a:p>
           <a:p>
             <a:pPr lvl="2"/>
@@ -1843,7 +1837,6 @@
               <a:rPr lang="en-US" dirty="0"/>
               <a:t>Third level</a:t>
             </a:r>
-            <a:endParaRPr lang="en-US" dirty="0"/>
           </a:p>
           <a:p>
             <a:pPr lvl="3"/>
@@ -1851,7 +1844,6 @@
               <a:rPr lang="en-US" dirty="0"/>
               <a:t>Fourth level</a:t>
             </a:r>
-            <a:endParaRPr lang="en-US" dirty="0"/>
           </a:p>
           <a:p>
             <a:pPr lvl="4"/>
@@ -1926,6 +1918,7 @@
           <a:p>
             <a:fld id="{DDBE135E-2566-4748-853C-8A3B78F0FB00}" type="slidenum">
               <a:rPr lang="en-GB" smtClean="0"/>
+              <a:t>‹#›</a:t>
             </a:fld>
             <a:endParaRPr lang="en-GB" dirty="0"/>
           </a:p>
@@ -1940,7 +1933,7 @@
 </file>
 
 <file path=ppt/slideLayouts/slideLayout4.xml><?xml version="1.0" encoding="utf-8"?>
-<p:sldLayout xmlns:a="http://schemas.openxmlformats.org/drawingml/2006/main" xmlns:r="http://schemas.openxmlformats.org/officeDocument/2006/relationships" xmlns:p="http://schemas.openxmlformats.org/presentationml/2006/main" preserve="1" showMasterSp="0" userDrawn="1">
+<p:sldLayout xmlns:a="http://schemas.openxmlformats.org/drawingml/2006/main" xmlns:r="http://schemas.openxmlformats.org/officeDocument/2006/relationships" xmlns:p="http://schemas.openxmlformats.org/presentationml/2006/main" showMasterSp="0" preserve="1" userDrawn="1">
   <p:cSld name="1_Title &amp; 2 Column Content 20pt">
     <p:spTree>
       <p:nvGrpSpPr>
@@ -2030,7 +2023,6 @@
               <a:rPr lang="en-US" dirty="0"/>
               <a:t>Click to edit Master text styles</a:t>
             </a:r>
-            <a:endParaRPr lang="en-US" dirty="0"/>
           </a:p>
           <a:p>
             <a:pPr lvl="1"/>
@@ -2038,7 +2030,6 @@
               <a:rPr lang="en-US" dirty="0"/>
               <a:t>Second level</a:t>
             </a:r>
-            <a:endParaRPr lang="en-US" dirty="0"/>
           </a:p>
           <a:p>
             <a:pPr lvl="2"/>
@@ -2046,7 +2037,6 @@
               <a:rPr lang="en-US" dirty="0"/>
               <a:t>Third level</a:t>
             </a:r>
-            <a:endParaRPr lang="en-US" dirty="0"/>
           </a:p>
           <a:p>
             <a:pPr lvl="3"/>
@@ -2054,7 +2044,6 @@
               <a:rPr lang="en-US" dirty="0"/>
               <a:t>Fourth level</a:t>
             </a:r>
-            <a:endParaRPr lang="en-US" dirty="0"/>
           </a:p>
           <a:p>
             <a:pPr lvl="4"/>
@@ -2099,7 +2088,6 @@
               <a:rPr lang="en-US" dirty="0"/>
               <a:t>Click to edit Master text styles</a:t>
             </a:r>
-            <a:endParaRPr lang="en-US" dirty="0"/>
           </a:p>
         </p:txBody>
       </p:sp>
@@ -2189,7 +2177,6 @@
               <a:rPr lang="en-US" dirty="0"/>
               <a:t>Click to edit Master text styles</a:t>
             </a:r>
-            <a:endParaRPr lang="en-US" dirty="0"/>
           </a:p>
           <a:p>
             <a:pPr lvl="1"/>
@@ -2197,7 +2184,6 @@
               <a:rPr lang="en-US" dirty="0"/>
               <a:t>Second level</a:t>
             </a:r>
-            <a:endParaRPr lang="en-US" dirty="0"/>
           </a:p>
           <a:p>
             <a:pPr lvl="2"/>
@@ -2205,7 +2191,6 @@
               <a:rPr lang="en-US" dirty="0"/>
               <a:t>Third level</a:t>
             </a:r>
-            <a:endParaRPr lang="en-US" dirty="0"/>
           </a:p>
           <a:p>
             <a:pPr lvl="3"/>
@@ -2213,7 +2198,6 @@
               <a:rPr lang="en-US" dirty="0"/>
               <a:t>Fourth level</a:t>
             </a:r>
-            <a:endParaRPr lang="en-US" dirty="0"/>
           </a:p>
           <a:p>
             <a:pPr lvl="4"/>
@@ -2334,6 +2318,7 @@
           <a:p>
             <a:fld id="{DDBE135E-2566-4748-853C-8A3B78F0FB00}" type="slidenum">
               <a:rPr lang="en-GB" smtClean="0"/>
+              <a:t>‹#›</a:t>
             </a:fld>
             <a:endParaRPr lang="en-GB" dirty="0"/>
           </a:p>
@@ -2348,7 +2333,7 @@
 </file>
 
 <file path=ppt/slideLayouts/slideLayout5.xml><?xml version="1.0" encoding="utf-8"?>
-<p:sldLayout xmlns:a="http://schemas.openxmlformats.org/drawingml/2006/main" xmlns:r="http://schemas.openxmlformats.org/officeDocument/2006/relationships" xmlns:p="http://schemas.openxmlformats.org/presentationml/2006/main" preserve="1" showMasterSp="0" userDrawn="1">
+<p:sldLayout xmlns:a="http://schemas.openxmlformats.org/drawingml/2006/main" xmlns:r="http://schemas.openxmlformats.org/officeDocument/2006/relationships" xmlns:p="http://schemas.openxmlformats.org/presentationml/2006/main" showMasterSp="0" preserve="1" userDrawn="1">
   <p:cSld name="Title, Content &amp; Image">
     <p:spTree>
       <p:nvGrpSpPr>
@@ -2399,7 +2384,6 @@
               <a:rPr lang="en-GB"/>
               <a:t>IMAGE</a:t>
             </a:r>
-            <a:endParaRPr lang="en-GB"/>
           </a:p>
         </p:txBody>
       </p:sp>
@@ -2481,7 +2465,6 @@
               <a:rPr lang="en-US" dirty="0"/>
               <a:t>Click to edit Master text styles</a:t>
             </a:r>
-            <a:endParaRPr lang="en-US" dirty="0"/>
           </a:p>
           <a:p>
             <a:pPr lvl="1"/>
@@ -2489,7 +2472,6 @@
               <a:rPr lang="en-US" dirty="0"/>
               <a:t>Second level</a:t>
             </a:r>
-            <a:endParaRPr lang="en-US" dirty="0"/>
           </a:p>
         </p:txBody>
       </p:sp>
@@ -2526,7 +2508,6 @@
               <a:rPr lang="en-US"/>
               <a:t>Click to edit Master text styles</a:t>
             </a:r>
-            <a:endParaRPr lang="en-US"/>
           </a:p>
         </p:txBody>
       </p:sp>
@@ -2580,7 +2561,6 @@
               <a:rPr lang="en-GB" sz="1000" dirty="0"/>
               <a:t>The University of Dublin</a:t>
             </a:r>
-            <a:endParaRPr lang="en-GB" sz="1000" dirty="0"/>
           </a:p>
         </p:txBody>
       </p:sp>
@@ -2652,6 +2632,7 @@
           <a:p>
             <a:fld id="{DDBE135E-2566-4748-853C-8A3B78F0FB00}" type="slidenum">
               <a:rPr lang="en-GB" smtClean="0"/>
+              <a:t>‹#›</a:t>
             </a:fld>
             <a:endParaRPr lang="en-GB" dirty="0"/>
           </a:p>
@@ -2666,7 +2647,7 @@
 </file>
 
 <file path=ppt/slideLayouts/slideLayout6.xml><?xml version="1.0" encoding="utf-8"?>
-<p:sldLayout xmlns:a="http://schemas.openxmlformats.org/drawingml/2006/main" xmlns:r="http://schemas.openxmlformats.org/officeDocument/2006/relationships" xmlns:p="http://schemas.openxmlformats.org/presentationml/2006/main" preserve="1" showMasterSp="0" userDrawn="1">
+<p:sldLayout xmlns:a="http://schemas.openxmlformats.org/drawingml/2006/main" xmlns:r="http://schemas.openxmlformats.org/officeDocument/2006/relationships" xmlns:p="http://schemas.openxmlformats.org/presentationml/2006/main" showMasterSp="0" preserve="1" userDrawn="1">
   <p:cSld name="Title &amp; Image">
     <p:spTree>
       <p:nvGrpSpPr>
@@ -2717,7 +2698,6 @@
               <a:rPr lang="en-GB"/>
               <a:t>IMAGE</a:t>
             </a:r>
-            <a:endParaRPr lang="en-GB"/>
           </a:p>
         </p:txBody>
       </p:sp>
@@ -2777,7 +2757,6 @@
               <a:rPr lang="en-US"/>
               <a:t>Click to edit Master text styles</a:t>
             </a:r>
-            <a:endParaRPr lang="en-US"/>
           </a:p>
         </p:txBody>
       </p:sp>
@@ -2831,7 +2810,6 @@
               <a:rPr lang="en-GB" sz="1000"/>
               <a:t>The University of Dublin</a:t>
             </a:r>
-            <a:endParaRPr lang="en-GB" sz="1000"/>
           </a:p>
         </p:txBody>
       </p:sp>
@@ -2903,6 +2881,7 @@
           <a:p>
             <a:fld id="{DDBE135E-2566-4748-853C-8A3B78F0FB00}" type="slidenum">
               <a:rPr lang="en-GB" smtClean="0"/>
+              <a:t>‹#›</a:t>
             </a:fld>
             <a:endParaRPr lang="en-GB" dirty="0"/>
           </a:p>
@@ -2917,7 +2896,7 @@
 </file>
 
 <file path=ppt/slideLayouts/slideLayout7.xml><?xml version="1.0" encoding="utf-8"?>
-<p:sldLayout xmlns:a="http://schemas.openxmlformats.org/drawingml/2006/main" xmlns:r="http://schemas.openxmlformats.org/officeDocument/2006/relationships" xmlns:p="http://schemas.openxmlformats.org/presentationml/2006/main" preserve="1" showMasterSp="0" userDrawn="1">
+<p:sldLayout xmlns:a="http://schemas.openxmlformats.org/drawingml/2006/main" xmlns:r="http://schemas.openxmlformats.org/officeDocument/2006/relationships" xmlns:p="http://schemas.openxmlformats.org/presentationml/2006/main" showMasterSp="0" preserve="1" userDrawn="1">
   <p:cSld name="Thank You">
     <p:spTree>
       <p:nvGrpSpPr>
@@ -3110,6 +3089,7 @@
           <a:p>
             <a:fld id="{DDBE135E-2566-4748-853C-8A3B78F0FB00}" type="slidenum">
               <a:rPr lang="en-GB" smtClean="0"/>
+              <a:t>‹#›</a:t>
             </a:fld>
             <a:endParaRPr lang="en-GB" dirty="0"/>
           </a:p>
@@ -3233,7 +3213,6 @@
               <a:rPr lang="en-US" dirty="0"/>
               <a:t>Click to edit Master text styles</a:t>
             </a:r>
-            <a:endParaRPr lang="en-US" dirty="0"/>
           </a:p>
           <a:p>
             <a:pPr lvl="1"/>
@@ -3241,7 +3220,6 @@
               <a:rPr lang="en-US" dirty="0"/>
               <a:t>Second level</a:t>
             </a:r>
-            <a:endParaRPr lang="en-US" dirty="0"/>
           </a:p>
           <a:p>
             <a:pPr lvl="2"/>
@@ -3249,7 +3227,6 @@
               <a:rPr lang="en-US" dirty="0"/>
               <a:t>Third level</a:t>
             </a:r>
-            <a:endParaRPr lang="en-US" dirty="0"/>
           </a:p>
           <a:p>
             <a:pPr lvl="3"/>
@@ -3257,7 +3234,6 @@
               <a:rPr lang="en-US" dirty="0"/>
               <a:t>Fourth level</a:t>
             </a:r>
-            <a:endParaRPr lang="en-US" dirty="0"/>
           </a:p>
           <a:p>
             <a:pPr lvl="4"/>
@@ -3319,7 +3295,6 @@
               <a:rPr lang="en-GB" sz="1000" dirty="0"/>
               <a:t>The University of Dublin</a:t>
             </a:r>
-            <a:endParaRPr lang="en-GB" sz="1000" dirty="0"/>
           </a:p>
         </p:txBody>
       </p:sp>
@@ -3391,6 +3366,7 @@
           <a:p>
             <a:fld id="{DDBE135E-2566-4748-853C-8A3B78F0FB00}" type="slidenum">
               <a:rPr lang="en-GB" smtClean="0"/>
+              <a:t>‹#›</a:t>
             </a:fld>
             <a:endParaRPr lang="en-GB" dirty="0"/>
           </a:p>
@@ -3791,7 +3767,6 @@
               <a:rPr lang="en-GB" sz="1600" dirty="0"/>
               <a:t> Tan</a:t>
             </a:r>
-            <a:endParaRPr lang="en-GB" sz="1600" dirty="0"/>
           </a:p>
           <a:p>
             <a:pPr lvl="1"/>
@@ -3799,7 +3774,6 @@
               <a:rPr lang="en-GB" sz="1600" dirty="0"/>
               <a:t>E3 School</a:t>
             </a:r>
-            <a:endParaRPr lang="en-GB" sz="1600" dirty="0"/>
           </a:p>
           <a:p>
             <a:pPr lvl="2"/>
@@ -3807,7 +3781,6 @@
               <a:rPr lang="en-GB" sz="1600" dirty="0"/>
               <a:t>Date 15/02/2024</a:t>
             </a:r>
-            <a:endParaRPr lang="en-GB" sz="1600" dirty="0"/>
           </a:p>
         </p:txBody>
       </p:sp>
@@ -3859,8 +3832,8 @@
           </a:p>
         </p:txBody>
       </p:sp>
-      <mc:AlternateContent xmlns:mc="http://schemas.openxmlformats.org/markup-compatibility/2006">
-        <mc:Choice xmlns:a14="http://schemas.microsoft.com/office/drawing/2010/main" Requires="a14">
+      <mc:AlternateContent xmlns:mc="http://schemas.openxmlformats.org/markup-compatibility/2006" xmlns:a14="http://schemas.microsoft.com/office/drawing/2010/main">
+        <mc:Choice Requires="a14">
           <p:sp>
             <p:nvSpPr>
               <p:cNvPr id="3" name="文本占位符 2"/>
@@ -3929,6 +3902,7 @@
                 <a:endParaRPr kumimoji="1" lang="en-US" altLang="zh-CN" sz="2400" b="0" dirty="0"/>
               </a:p>
               <a:p>
+                <a:pPr/>
                 <a14:m>
                   <m:oMathPara xmlns:m="http://schemas.openxmlformats.org/officeDocument/2006/math">
                     <m:oMathParaPr>
@@ -4274,7 +4248,7 @@
             </p:txBody>
           </p:sp>
         </mc:Choice>
-        <mc:Fallback>
+        <mc:Fallback xmlns="">
           <p:sp>
             <p:nvSpPr>
               <p:cNvPr id="3" name="文本占位符 2"/>
@@ -4291,7 +4265,7 @@
                 <a:ext cx="7500938" cy="1829118"/>
               </a:xfrm>
               <a:blipFill rotWithShape="1">
-                <a:blip r:embed="rId1"/>
+                <a:blip r:embed="rId2"/>
                 <a:stretch>
                   <a:fillRect l="-6" t="-181" r="2" b="-22541"/>
                 </a:stretch>
@@ -4312,8 +4286,8 @@
           </p:sp>
         </mc:Fallback>
       </mc:AlternateContent>
-      <mc:AlternateContent xmlns:mc="http://schemas.openxmlformats.org/markup-compatibility/2006">
-        <mc:Choice xmlns:a14="http://schemas.microsoft.com/office/drawing/2010/main" Requires="a14">
+      <mc:AlternateContent xmlns:mc="http://schemas.openxmlformats.org/markup-compatibility/2006" xmlns:a14="http://schemas.microsoft.com/office/drawing/2010/main">
+        <mc:Choice Requires="a14">
           <p:sp>
             <p:nvSpPr>
               <p:cNvPr id="4" name="文本占位符 3"/>
@@ -4334,6 +4308,7 @@
               <a:bodyPr/>
               <a:lstStyle/>
               <a:p>
+                <a:pPr/>
                 <a14:m>
                   <m:oMathPara xmlns:m="http://schemas.openxmlformats.org/officeDocument/2006/math">
                     <m:oMathParaPr>
@@ -4374,7 +4349,7 @@
             </p:txBody>
           </p:sp>
         </mc:Choice>
-        <mc:Fallback>
+        <mc:Fallback xmlns="">
           <p:sp>
             <p:nvSpPr>
               <p:cNvPr id="4" name="文本占位符 3"/>
@@ -4391,7 +4366,7 @@
                 <a:ext cx="7500938" cy="421200"/>
               </a:xfrm>
               <a:blipFill rotWithShape="1">
-                <a:blip r:embed="rId2"/>
+                <a:blip r:embed="rId3"/>
                 <a:stretch>
                   <a:fillRect t="-1" r="4" b="48"/>
                 </a:stretch>
@@ -4429,6 +4404,7 @@
           <a:p>
             <a:fld id="{DDBE135E-2566-4748-853C-8A3B78F0FB00}" type="slidenum">
               <a:rPr lang="en-GB" smtClean="0"/>
+              <a:t>10</a:t>
             </a:fld>
             <a:endParaRPr lang="en-GB" dirty="0"/>
           </a:p>
@@ -4522,13 +4498,14 @@
           <a:p>
             <a:fld id="{DDBE135E-2566-4748-853C-8A3B78F0FB00}" type="slidenum">
               <a:rPr lang="en-GB" smtClean="0"/>
+              <a:t>11</a:t>
             </a:fld>
             <a:endParaRPr lang="en-GB" dirty="0"/>
           </a:p>
         </p:txBody>
       </p:sp>
-      <mc:AlternateContent xmlns:mc="http://schemas.openxmlformats.org/markup-compatibility/2006">
-        <mc:Choice xmlns:a14="http://schemas.microsoft.com/office/drawing/2010/main" Requires="a14">
+      <mc:AlternateContent xmlns:mc="http://schemas.openxmlformats.org/markup-compatibility/2006" xmlns:a14="http://schemas.microsoft.com/office/drawing/2010/main">
+        <mc:Choice Requires="a14">
           <p:sp>
             <p:nvSpPr>
               <p:cNvPr id="9" name="文本框 8"/>
@@ -4551,6 +4528,7 @@
               </a:bodyPr>
               <a:lstStyle/>
               <a:p>
+                <a:pPr/>
                 <a14:m>
                   <m:oMathPara xmlns:m="http://schemas.openxmlformats.org/officeDocument/2006/math">
                     <m:oMathParaPr>
@@ -4846,7 +4824,7 @@
             </p:txBody>
           </p:sp>
         </mc:Choice>
-        <mc:Fallback>
+        <mc:Fallback xmlns="">
           <p:sp>
             <p:nvSpPr>
               <p:cNvPr id="9" name="文本框 8"/>
@@ -4864,7 +4842,7 @@
                 <a:avLst/>
               </a:prstGeom>
               <a:blipFill rotWithShape="1">
-                <a:blip r:embed="rId1"/>
+                <a:blip r:embed="rId2"/>
                 <a:stretch>
                   <a:fillRect l="-11" t="-74" r="2" b="14"/>
                 </a:stretch>
@@ -4885,8 +4863,8 @@
           </p:sp>
         </mc:Fallback>
       </mc:AlternateContent>
-      <mc:AlternateContent xmlns:mc="http://schemas.openxmlformats.org/markup-compatibility/2006">
-        <mc:Choice xmlns:a14="http://schemas.microsoft.com/office/drawing/2010/main" Requires="a14">
+      <mc:AlternateContent xmlns:mc="http://schemas.openxmlformats.org/markup-compatibility/2006" xmlns:a14="http://schemas.microsoft.com/office/drawing/2010/main">
+        <mc:Choice Requires="a14">
           <p:sp>
             <p:nvSpPr>
               <p:cNvPr id="11" name="文本框 10"/>
@@ -4909,6 +4887,7 @@
               </a:bodyPr>
               <a:lstStyle/>
               <a:p>
+                <a:pPr/>
                 <a14:m>
                   <m:oMathPara xmlns:m="http://schemas.openxmlformats.org/officeDocument/2006/math">
                     <m:oMathParaPr>
@@ -5039,19 +5018,7 @@
                                   <a:ea typeface="等线" panose="02010600030101010101" pitchFamily="2" charset="-122"/>
                                   <a:cs typeface="Times New Roman" panose="02020603050405020304" pitchFamily="18" charset="0"/>
                                 </a:rPr>
-                                <m:t>1</m:t>
-                              </m:r>
-                              <m:r>
-                                <a:rPr lang="en-US" altLang="zh-CN" sz="1800" i="1" kern="100">
-                                  <a:solidFill>
-                                    <a:srgbClr val="191B1F"/>
-                                  </a:solidFill>
-                                  <a:effectLst/>
-                                  <a:latin typeface="Cambria Math" panose="02040503050406030204" pitchFamily="18" charset="0"/>
-                                  <a:ea typeface="等线" panose="02010600030101010101" pitchFamily="2" charset="-122"/>
-                                  <a:cs typeface="Times New Roman" panose="02020603050405020304" pitchFamily="18" charset="0"/>
-                                </a:rPr>
-                                <m:t>−</m:t>
+                                <m:t>1−</m:t>
                               </m:r>
                               <m:r>
                                 <a:rPr lang="en-US" altLang="zh-CN" sz="1800" i="1" kern="100">
@@ -5203,7 +5170,7 @@
             </p:txBody>
           </p:sp>
         </mc:Choice>
-        <mc:Fallback>
+        <mc:Fallback xmlns="">
           <p:sp>
             <p:nvSpPr>
               <p:cNvPr id="11" name="文本框 10"/>
@@ -5221,7 +5188,7 @@
                 <a:avLst/>
               </a:prstGeom>
               <a:blipFill rotWithShape="1">
-                <a:blip r:embed="rId2"/>
+                <a:blip r:embed="rId3"/>
                 <a:stretch>
                   <a:fillRect t="-73" r="8" b="49"/>
                 </a:stretch>
@@ -5242,8 +5209,8 @@
           </p:sp>
         </mc:Fallback>
       </mc:AlternateContent>
-      <mc:AlternateContent xmlns:mc="http://schemas.openxmlformats.org/markup-compatibility/2006">
-        <mc:Choice xmlns:a14="http://schemas.microsoft.com/office/drawing/2010/main" Requires="a14">
+      <mc:AlternateContent xmlns:mc="http://schemas.openxmlformats.org/markup-compatibility/2006" xmlns:a14="http://schemas.microsoft.com/office/drawing/2010/main">
+        <mc:Choice Requires="a14">
           <p:sp>
             <p:nvSpPr>
               <p:cNvPr id="13" name="文本框 12"/>
@@ -5266,6 +5233,7 @@
               </a:bodyPr>
               <a:lstStyle/>
               <a:p>
+                <a:pPr/>
                 <a14:m>
                   <m:oMathPara xmlns:m="http://schemas.openxmlformats.org/officeDocument/2006/math">
                     <m:oMathParaPr>
@@ -5449,19 +5417,7 @@
                                   <a:ea typeface="等线" panose="02010600030101010101" pitchFamily="2" charset="-122"/>
                                   <a:cs typeface="Times New Roman" panose="02020603050405020304" pitchFamily="18" charset="0"/>
                                 </a:rPr>
-                                <m:t>−</m:t>
-                              </m:r>
-                              <m:r>
-                                <a:rPr lang="en-US" altLang="zh-CN" sz="1800" i="1" kern="100">
-                                  <a:solidFill>
-                                    <a:srgbClr val="191B1F"/>
-                                  </a:solidFill>
-                                  <a:effectLst/>
-                                  <a:latin typeface="Cambria Math" panose="02040503050406030204" pitchFamily="18" charset="0"/>
-                                  <a:ea typeface="等线" panose="02010600030101010101" pitchFamily="2" charset="-122"/>
-                                  <a:cs typeface="Times New Roman" panose="02020603050405020304" pitchFamily="18" charset="0"/>
-                                </a:rPr>
-                                <m:t>1</m:t>
+                                <m:t>−1</m:t>
                               </m:r>
                             </m:sup>
                             <m:e>
@@ -5567,7 +5523,7 @@
             </p:txBody>
           </p:sp>
         </mc:Choice>
-        <mc:Fallback>
+        <mc:Fallback xmlns="">
           <p:sp>
             <p:nvSpPr>
               <p:cNvPr id="13" name="文本框 12"/>
@@ -5585,7 +5541,7 @@
                 <a:avLst/>
               </a:prstGeom>
               <a:blipFill rotWithShape="1">
-                <a:blip r:embed="rId3"/>
+                <a:blip r:embed="rId4"/>
                 <a:stretch>
                   <a:fillRect l="-6" t="-81" r="13" b="71"/>
                 </a:stretch>
@@ -5606,8 +5562,8 @@
           </p:sp>
         </mc:Fallback>
       </mc:AlternateContent>
-      <mc:AlternateContent xmlns:mc="http://schemas.openxmlformats.org/markup-compatibility/2006">
-        <mc:Choice xmlns:a14="http://schemas.microsoft.com/office/drawing/2010/main" Requires="a14">
+      <mc:AlternateContent xmlns:mc="http://schemas.openxmlformats.org/markup-compatibility/2006" xmlns:a14="http://schemas.microsoft.com/office/drawing/2010/main">
+        <mc:Choice Requires="a14">
           <p:sp>
             <p:nvSpPr>
               <p:cNvPr id="15" name="文本框 14"/>
@@ -5630,6 +5586,7 @@
               </a:bodyPr>
               <a:lstStyle/>
               <a:p>
+                <a:pPr/>
                 <a14:m>
                   <m:oMathPara xmlns:m="http://schemas.openxmlformats.org/officeDocument/2006/math">
                     <m:oMathParaPr>
@@ -5813,19 +5770,7 @@
                                   <a:ea typeface="等线" panose="02010600030101010101" pitchFamily="2" charset="-122"/>
                                   <a:cs typeface="Times New Roman" panose="02020603050405020304" pitchFamily="18" charset="0"/>
                                 </a:rPr>
-                                <m:t>−</m:t>
-                              </m:r>
-                              <m:r>
-                                <a:rPr lang="en-US" altLang="zh-CN" sz="1800" b="0" i="1" kern="100">
-                                  <a:solidFill>
-                                    <a:srgbClr val="191B1F"/>
-                                  </a:solidFill>
-                                  <a:effectLst/>
-                                  <a:latin typeface="Cambria Math" panose="02040503050406030204" pitchFamily="18" charset="0"/>
-                                  <a:ea typeface="等线" panose="02010600030101010101" pitchFamily="2" charset="-122"/>
-                                  <a:cs typeface="Times New Roman" panose="02020603050405020304" pitchFamily="18" charset="0"/>
-                                </a:rPr>
-                                <m:t>1</m:t>
+                                <m:t>−1</m:t>
                               </m:r>
                             </m:sup>
                             <m:e>
@@ -5931,7 +5876,7 @@
             </p:txBody>
           </p:sp>
         </mc:Choice>
-        <mc:Fallback>
+        <mc:Fallback xmlns="">
           <p:sp>
             <p:nvSpPr>
               <p:cNvPr id="15" name="文本框 14"/>
@@ -5949,7 +5894,7 @@
                 <a:avLst/>
               </a:prstGeom>
               <a:blipFill rotWithShape="1">
-                <a:blip r:embed="rId4"/>
+                <a:blip r:embed="rId5"/>
                 <a:stretch>
                   <a:fillRect l="-3" t="-81" r="12" b="71"/>
                 </a:stretch>
@@ -6115,8 +6060,8 @@
           </a:p>
         </p:txBody>
       </p:sp>
-      <mc:AlternateContent xmlns:mc="http://schemas.openxmlformats.org/markup-compatibility/2006">
-        <mc:Choice xmlns:a14="http://schemas.microsoft.com/office/drawing/2010/main" Requires="a14">
+      <mc:AlternateContent xmlns:mc="http://schemas.openxmlformats.org/markup-compatibility/2006" xmlns:a14="http://schemas.microsoft.com/office/drawing/2010/main">
+        <mc:Choice Requires="a14">
           <p:sp>
             <p:nvSpPr>
               <p:cNvPr id="3" name="文本占位符 2"/>
@@ -6168,7 +6113,6 @@
                   <a:rPr kumimoji="1" lang="en-GB" altLang="zh-CN" b="0" dirty="0"/>
                   <a:t>as a constant and find partial derivatives of F and B</a:t>
                 </a:r>
-                <a:endParaRPr kumimoji="1" lang="en-GB" altLang="zh-CN" b="0" dirty="0"/>
               </a:p>
               <a:p>
                 <a:pPr algn="ctr"/>
@@ -6176,7 +6120,6 @@
                   <a:rPr kumimoji="1" lang="en-GB" altLang="zh-CN" b="0" dirty="0"/>
                   <a:t>⬇️</a:t>
                 </a:r>
-                <a:endParaRPr kumimoji="1" lang="en-GB" altLang="zh-CN" b="0" dirty="0"/>
               </a:p>
               <a:p>
                 <a:pPr algn="ctr"/>
@@ -6283,19 +6226,7 @@
                                         <a:ea typeface="等线" panose="02010600030101010101" pitchFamily="2" charset="-122"/>
                                         <a:cs typeface="Times New Roman" panose="02020603050405020304" pitchFamily="18" charset="0"/>
                                       </a:rPr>
-                                      <m:t>−</m:t>
-                                    </m:r>
-                                    <m:r>
-                                      <a:rPr lang="en-US" altLang="zh-CN" sz="1800" i="1" kern="100">
-                                        <a:solidFill>
-                                          <a:srgbClr val="191B1F"/>
-                                        </a:solidFill>
-                                        <a:effectLst/>
-                                        <a:latin typeface="Cambria Math" panose="02040503050406030204" pitchFamily="18" charset="0"/>
-                                        <a:ea typeface="等线" panose="02010600030101010101" pitchFamily="2" charset="-122"/>
-                                        <a:cs typeface="Times New Roman" panose="02020603050405020304" pitchFamily="18" charset="0"/>
-                                      </a:rPr>
-                                      <m:t>1</m:t>
+                                      <m:t>−1</m:t>
                                     </m:r>
                                   </m:sup>
                                 </m:sSubSup>
@@ -6471,31 +6402,7 @@
                                     <a:ea typeface="等线" panose="02010600030101010101" pitchFamily="2" charset="-122"/>
                                     <a:cs typeface="Times New Roman" panose="02020603050405020304" pitchFamily="18" charset="0"/>
                                   </a:rPr>
-                                  <m:t>(</m:t>
-                                </m:r>
-                                <m:r>
-                                  <a:rPr lang="en-US" altLang="zh-CN" sz="1800" i="1" kern="100">
-                                    <a:solidFill>
-                                      <a:srgbClr val="191B1F"/>
-                                    </a:solidFill>
-                                    <a:effectLst/>
-                                    <a:latin typeface="Cambria Math" panose="02040503050406030204" pitchFamily="18" charset="0"/>
-                                    <a:ea typeface="等线" panose="02010600030101010101" pitchFamily="2" charset="-122"/>
-                                    <a:cs typeface="Times New Roman" panose="02020603050405020304" pitchFamily="18" charset="0"/>
-                                  </a:rPr>
-                                  <m:t>1</m:t>
-                                </m:r>
-                                <m:r>
-                                  <a:rPr lang="en-US" altLang="zh-CN" sz="1800" i="1" kern="100">
-                                    <a:solidFill>
-                                      <a:srgbClr val="191B1F"/>
-                                    </a:solidFill>
-                                    <a:effectLst/>
-                                    <a:latin typeface="Cambria Math" panose="02040503050406030204" pitchFamily="18" charset="0"/>
-                                    <a:ea typeface="等线" panose="02010600030101010101" pitchFamily="2" charset="-122"/>
-                                    <a:cs typeface="Times New Roman" panose="02020603050405020304" pitchFamily="18" charset="0"/>
-                                  </a:rPr>
-                                  <m:t>−</m:t>
+                                  <m:t>(1−</m:t>
                                 </m:r>
                                 <m:r>
                                   <a:rPr lang="en-US" altLang="zh-CN" sz="1800" i="1" kern="100">
@@ -6616,31 +6523,7 @@
                                     <a:ea typeface="等线" panose="02010600030101010101" pitchFamily="2" charset="-122"/>
                                     <a:cs typeface="Times New Roman" panose="02020603050405020304" pitchFamily="18" charset="0"/>
                                   </a:rPr>
-                                  <m:t>(</m:t>
-                                </m:r>
-                                <m:r>
-                                  <a:rPr lang="en-US" altLang="zh-CN" sz="1800" i="1" kern="100">
-                                    <a:solidFill>
-                                      <a:srgbClr val="191B1F"/>
-                                    </a:solidFill>
-                                    <a:effectLst/>
-                                    <a:latin typeface="Cambria Math" panose="02040503050406030204" pitchFamily="18" charset="0"/>
-                                    <a:ea typeface="等线" panose="02010600030101010101" pitchFamily="2" charset="-122"/>
-                                    <a:cs typeface="Times New Roman" panose="02020603050405020304" pitchFamily="18" charset="0"/>
-                                  </a:rPr>
-                                  <m:t>1</m:t>
-                                </m:r>
-                                <m:r>
-                                  <a:rPr lang="en-US" altLang="zh-CN" sz="1800" i="1" kern="100">
-                                    <a:solidFill>
-                                      <a:srgbClr val="191B1F"/>
-                                    </a:solidFill>
-                                    <a:effectLst/>
-                                    <a:latin typeface="Cambria Math" panose="02040503050406030204" pitchFamily="18" charset="0"/>
-                                    <a:ea typeface="等线" panose="02010600030101010101" pitchFamily="2" charset="-122"/>
-                                    <a:cs typeface="Times New Roman" panose="02020603050405020304" pitchFamily="18" charset="0"/>
-                                  </a:rPr>
-                                  <m:t>−</m:t>
+                                  <m:t>(1−</m:t>
                                 </m:r>
                                 <m:r>
                                   <a:rPr lang="en-US" altLang="zh-CN" sz="1800" i="1" kern="100">
@@ -6781,19 +6664,7 @@
                                         <a:ea typeface="等线" panose="02010600030101010101" pitchFamily="2" charset="-122"/>
                                         <a:cs typeface="Times New Roman" panose="02020603050405020304" pitchFamily="18" charset="0"/>
                                       </a:rPr>
-                                      <m:t>−</m:t>
-                                    </m:r>
-                                    <m:r>
-                                      <a:rPr lang="en-US" altLang="zh-CN" sz="1800" i="1" kern="100">
-                                        <a:solidFill>
-                                          <a:srgbClr val="191B1F"/>
-                                        </a:solidFill>
-                                        <a:effectLst/>
-                                        <a:latin typeface="Cambria Math" panose="02040503050406030204" pitchFamily="18" charset="0"/>
-                                        <a:ea typeface="等线" panose="02010600030101010101" pitchFamily="2" charset="-122"/>
-                                        <a:cs typeface="Times New Roman" panose="02020603050405020304" pitchFamily="18" charset="0"/>
-                                      </a:rPr>
-                                      <m:t>1</m:t>
+                                      <m:t>−1</m:t>
                                     </m:r>
                                   </m:sup>
                                 </m:sSubSup>
@@ -7098,19 +6969,7 @@
                                       <a:ea typeface="等线" panose="02010600030101010101" pitchFamily="2" charset="-122"/>
                                       <a:cs typeface="Times New Roman" panose="02020603050405020304" pitchFamily="18" charset="0"/>
                                     </a:rPr>
-                                    <m:t>−</m:t>
-                                  </m:r>
-                                  <m:r>
-                                    <a:rPr lang="en-US" altLang="zh-CN" sz="1800" i="1" kern="100">
-                                      <a:solidFill>
-                                        <a:srgbClr val="191B1F"/>
-                                      </a:solidFill>
-                                      <a:effectLst/>
-                                      <a:latin typeface="Cambria Math" panose="02040503050406030204" pitchFamily="18" charset="0"/>
-                                      <a:ea typeface="等线" panose="02010600030101010101" pitchFamily="2" charset="-122"/>
-                                      <a:cs typeface="Times New Roman" panose="02020603050405020304" pitchFamily="18" charset="0"/>
-                                    </a:rPr>
-                                    <m:t>1</m:t>
+                                    <m:t>−1</m:t>
                                   </m:r>
                                 </m:sup>
                               </m:sSubSup>
@@ -7307,19 +7166,7 @@
                                       <a:ea typeface="等线" panose="02010600030101010101" pitchFamily="2" charset="-122"/>
                                       <a:cs typeface="Times New Roman" panose="02020603050405020304" pitchFamily="18" charset="0"/>
                                     </a:rPr>
-                                    <m:t>−</m:t>
-                                  </m:r>
-                                  <m:r>
-                                    <a:rPr lang="en-US" altLang="zh-CN" sz="1800" i="1" kern="100">
-                                      <a:solidFill>
-                                        <a:srgbClr val="191B1F"/>
-                                      </a:solidFill>
-                                      <a:effectLst/>
-                                      <a:latin typeface="Cambria Math" panose="02040503050406030204" pitchFamily="18" charset="0"/>
-                                      <a:ea typeface="等线" panose="02010600030101010101" pitchFamily="2" charset="-122"/>
-                                      <a:cs typeface="Times New Roman" panose="02020603050405020304" pitchFamily="18" charset="0"/>
-                                    </a:rPr>
-                                    <m:t>1</m:t>
+                                    <m:t>−1</m:t>
                                   </m:r>
                                 </m:sup>
                               </m:sSubSup>
@@ -7387,31 +7234,7 @@
                                   <a:ea typeface="等线" panose="02010600030101010101" pitchFamily="2" charset="-122"/>
                                   <a:cs typeface="Times New Roman" panose="02020603050405020304" pitchFamily="18" charset="0"/>
                                 </a:rPr>
-                                <m:t>(</m:t>
-                              </m:r>
-                              <m:r>
-                                <a:rPr lang="en-US" altLang="zh-CN" sz="1800" i="1" kern="100">
-                                  <a:solidFill>
-                                    <a:srgbClr val="191B1F"/>
-                                  </a:solidFill>
-                                  <a:effectLst/>
-                                  <a:latin typeface="Cambria Math" panose="02040503050406030204" pitchFamily="18" charset="0"/>
-                                  <a:ea typeface="等线" panose="02010600030101010101" pitchFamily="2" charset="-122"/>
-                                  <a:cs typeface="Times New Roman" panose="02020603050405020304" pitchFamily="18" charset="0"/>
-                                </a:rPr>
-                                <m:t>1</m:t>
-                              </m:r>
-                              <m:r>
-                                <a:rPr lang="en-US" altLang="zh-CN" sz="1800" i="1" kern="100">
-                                  <a:solidFill>
-                                    <a:srgbClr val="191B1F"/>
-                                  </a:solidFill>
-                                  <a:effectLst/>
-                                  <a:latin typeface="Cambria Math" panose="02040503050406030204" pitchFamily="18" charset="0"/>
-                                  <a:ea typeface="等线" panose="02010600030101010101" pitchFamily="2" charset="-122"/>
-                                  <a:cs typeface="Times New Roman" panose="02020603050405020304" pitchFamily="18" charset="0"/>
-                                </a:rPr>
-                                <m:t>−</m:t>
+                                <m:t>(1−</m:t>
                               </m:r>
                               <m:r>
                                 <a:rPr lang="en-US" altLang="zh-CN" sz="1800" i="1" kern="100">
@@ -7556,7 +7379,6 @@
                   <a:rPr kumimoji="1" lang="en-US" altLang="zh-CN" b="0" dirty="0"/>
                   <a:t>⬇️</a:t>
                 </a:r>
-                <a:endParaRPr kumimoji="1" lang="en-US" altLang="zh-CN" b="0" dirty="0"/>
               </a:p>
               <a:p>
                 <a:pPr algn="ctr"/>
@@ -7842,7 +7664,7 @@
             </p:txBody>
           </p:sp>
         </mc:Choice>
-        <mc:Fallback>
+        <mc:Fallback xmlns="">
           <p:sp>
             <p:nvSpPr>
               <p:cNvPr id="3" name="文本占位符 2"/>
@@ -7859,7 +7681,7 @@
                 <a:ext cx="7500938" cy="3579058"/>
               </a:xfrm>
               <a:blipFill rotWithShape="1">
-                <a:blip r:embed="rId1"/>
+                <a:blip r:embed="rId3"/>
                 <a:stretch>
                   <a:fillRect t="-77" r="4" b="-8878"/>
                 </a:stretch>
@@ -7925,6 +7747,7 @@
           <a:p>
             <a:fld id="{DDBE135E-2566-4748-853C-8A3B78F0FB00}" type="slidenum">
               <a:rPr lang="en-GB" smtClean="0"/>
+              <a:t>12</a:t>
             </a:fld>
             <a:endParaRPr lang="en-GB" dirty="0"/>
           </a:p>
@@ -8012,7 +7835,6 @@
               <a:rPr lang="en-IE" sz="1800" b="1" dirty="0"/>
               <a:t>Preprocessing</a:t>
             </a:r>
-            <a:endParaRPr lang="en-IE" sz="1800" b="1" dirty="0"/>
           </a:p>
           <a:p>
             <a:pPr lvl="1">
@@ -8030,7 +7852,6 @@
               <a:rPr lang="en-IE" sz="1400" dirty="0"/>
               <a:t>Efficiency, Streamlining, Single Intensity.</a:t>
             </a:r>
-            <a:endParaRPr lang="en-IE" sz="1400" dirty="0"/>
           </a:p>
           <a:p>
             <a:pPr lvl="1">
@@ -8048,7 +7869,6 @@
               <a:rPr lang="en-IE" sz="1400" dirty="0"/>
               <a:t>Predefined Thresholds, Intensity Classification.</a:t>
             </a:r>
-            <a:endParaRPr lang="en-IE" sz="1400" dirty="0"/>
           </a:p>
           <a:p>
             <a:pPr lvl="1">
@@ -8066,7 +7886,6 @@
               <a:rPr lang="en-IE" sz="1400" dirty="0"/>
               <a:t>Image Matting, Grayscale Guide.</a:t>
             </a:r>
-            <a:endParaRPr lang="en-IE" sz="1400" dirty="0"/>
           </a:p>
           <a:p>
             <a:pPr lvl="1">
@@ -8084,7 +7903,6 @@
               <a:rPr lang="en-IE" sz="1400" dirty="0"/>
               <a:t>Processing Consistency, Intensity-based Logic.</a:t>
             </a:r>
-            <a:endParaRPr lang="en-IE" sz="1400" dirty="0"/>
           </a:p>
         </p:txBody>
       </p:sp>
@@ -8105,6 +7923,7 @@
           <a:p>
             <a:fld id="{DDBE135E-2566-4748-853C-8A3B78F0FB00}" type="slidenum">
               <a:rPr lang="en-GB" smtClean="0"/>
+              <a:t>13</a:t>
             </a:fld>
             <a:endParaRPr lang="en-GB" dirty="0"/>
           </a:p>
@@ -8119,7 +7938,7 @@
           <p:nvPr/>
         </p:nvPicPr>
         <p:blipFill rotWithShape="1">
-          <a:blip r:embed="rId1" cstate="print">
+          <a:blip r:embed="rId2" cstate="print">
             <a:extLst>
               <a:ext uri="{28A0092B-C50C-407E-A947-70E740481C1C}">
                 <a14:useLocalDpi xmlns:a14="http://schemas.microsoft.com/office/drawing/2010/main" val="0"/>
@@ -8218,7 +8037,6 @@
               <a:rPr lang="en-IE" b="1" dirty="0"/>
               <a:t>Calculating</a:t>
             </a:r>
-            <a:endParaRPr lang="en-IE" b="1" dirty="0"/>
           </a:p>
           <a:p>
             <a:pPr marL="0" indent="0">
@@ -8236,7 +8054,6 @@
               <a:rPr lang="en-IE" sz="1400" dirty="0"/>
               <a:t> insights for distinguishing the foreground from the background, crucial for areas with unclear boundaries like hair or fur.</a:t>
             </a:r>
-            <a:endParaRPr lang="en-IE" sz="1400" dirty="0"/>
           </a:p>
         </p:txBody>
       </p:sp>
@@ -8257,6 +8074,7 @@
           <a:p>
             <a:fld id="{DDBE135E-2566-4748-853C-8A3B78F0FB00}" type="slidenum">
               <a:rPr lang="en-GB" smtClean="0"/>
+              <a:t>14</a:t>
             </a:fld>
             <a:endParaRPr lang="en-GB" dirty="0"/>
           </a:p>
@@ -8271,7 +8089,7 @@
           <p:nvPr/>
         </p:nvPicPr>
         <p:blipFill rotWithShape="1">
-          <a:blip r:embed="rId1">
+          <a:blip r:embed="rId2">
             <a:extLst>
               <a:ext uri="{28A0092B-C50C-407E-A947-70E740481C1C}">
                 <a14:useLocalDpi xmlns:a14="http://schemas.microsoft.com/office/drawing/2010/main" val="0"/>
@@ -8493,7 +8311,6 @@
               <a:rPr lang="en-IE" sz="1200" dirty="0"/>
               <a:t> Averaging, RGB Channels, Region Centrality</a:t>
             </a:r>
-            <a:endParaRPr lang="en-IE" sz="1200" dirty="0"/>
           </a:p>
           <a:p>
             <a:pPr lvl="1">
@@ -8512,7 +8329,6 @@
               <a:rPr lang="en-IE" sz="1200" dirty="0"/>
               <a:t> Variation, Channel Relationship, Texture Analysis</a:t>
             </a:r>
-            <a:endParaRPr lang="en-IE" sz="1200" dirty="0"/>
           </a:p>
           <a:p>
             <a:pPr lvl="1">
@@ -8527,7 +8343,6 @@
               <a:rPr lang="en-IE" sz="1200" dirty="0"/>
               <a:t>Scale Adjustment, Pixel Count Relevance, Average Representation</a:t>
             </a:r>
-            <a:endParaRPr lang="en-IE" sz="1200" dirty="0"/>
           </a:p>
           <a:p>
             <a:pPr lvl="1">
@@ -8550,7 +8365,6 @@
               <a:rPr lang="en-IE" sz="1200" dirty="0"/>
               <a:t> Deviation Measurement</a:t>
             </a:r>
-            <a:endParaRPr lang="en-IE" sz="1200" dirty="0"/>
           </a:p>
         </p:txBody>
       </p:sp>
@@ -8631,7 +8445,6 @@
               <a:rPr lang="en-IE" b="1" dirty="0"/>
               <a:t>Iterating</a:t>
             </a:r>
-            <a:endParaRPr lang="en-IE" b="1" dirty="0"/>
           </a:p>
           <a:p>
             <a:pPr marL="0" indent="0">
@@ -8649,7 +8462,6 @@
               <a:rPr lang="en-IE" sz="1400" dirty="0"/>
               <a:t> for precise foreground-background separation.</a:t>
             </a:r>
-            <a:endParaRPr lang="en-IE" sz="1400" dirty="0"/>
           </a:p>
         </p:txBody>
       </p:sp>
@@ -8670,6 +8482,7 @@
           <a:p>
             <a:fld id="{DDBE135E-2566-4748-853C-8A3B78F0FB00}" type="slidenum">
               <a:rPr lang="en-GB" smtClean="0"/>
+              <a:t>15</a:t>
             </a:fld>
             <a:endParaRPr lang="en-GB" dirty="0"/>
           </a:p>
@@ -8871,7 +8684,6 @@
               <a:rPr lang="en-IE" sz="1200" dirty="0"/>
               <a:t>Precise Transparency Adjustment</a:t>
             </a:r>
-            <a:endParaRPr lang="en-IE" sz="1200" dirty="0"/>
           </a:p>
           <a:p>
             <a:pPr lvl="1">
@@ -8886,7 +8698,6 @@
               <a:rPr lang="en-IE" sz="1200" dirty="0"/>
               <a:t>Edge, Hair, Fur Detailing</a:t>
             </a:r>
-            <a:endParaRPr lang="en-IE" sz="1200" dirty="0"/>
           </a:p>
           <a:p>
             <a:pPr lvl="1">
@@ -8901,7 +8712,6 @@
               <a:rPr lang="en-IE" sz="1200" dirty="0"/>
               <a:t>Repeated Fine-Tuning</a:t>
             </a:r>
-            <a:endParaRPr lang="en-IE" sz="1200" dirty="0"/>
           </a:p>
           <a:p>
             <a:pPr lvl="1">
@@ -8924,7 +8734,6 @@
               <a:rPr lang="en-IE" sz="1200" dirty="0"/>
               <a:t> Segregation</a:t>
             </a:r>
-            <a:endParaRPr lang="en-IE" sz="1200" dirty="0"/>
           </a:p>
           <a:p>
             <a:pPr lvl="1">
@@ -8939,7 +8748,6 @@
               <a:rPr lang="en-IE" sz="1200" dirty="0"/>
               <a:t>Alpha Value Determination</a:t>
             </a:r>
-            <a:endParaRPr lang="en-IE" sz="1200" dirty="0"/>
           </a:p>
           <a:p>
             <a:pPr lvl="1">
@@ -8966,7 +8774,6 @@
               <a:rPr lang="en-IE" sz="1200" dirty="0"/>
               <a:t> Alignment</a:t>
             </a:r>
-            <a:endParaRPr lang="en-IE" sz="1200" dirty="0"/>
           </a:p>
           <a:p>
             <a:pPr lvl="1">
@@ -8981,7 +8788,6 @@
               <a:rPr lang="en-IE" sz="1200" dirty="0"/>
               <a:t>Optimal Alpha Value Assessment</a:t>
             </a:r>
-            <a:endParaRPr lang="en-IE" sz="1200" dirty="0"/>
           </a:p>
         </p:txBody>
       </p:sp>
@@ -8994,7 +8800,7 @@
           <p:nvPr/>
         </p:nvPicPr>
         <p:blipFill>
-          <a:blip r:embed="rId1">
+          <a:blip r:embed="rId2">
             <a:extLst>
               <a:ext uri="{28A0092B-C50C-407E-A947-70E740481C1C}">
                 <a14:useLocalDpi xmlns:a14="http://schemas.microsoft.com/office/drawing/2010/main" val="0"/>
@@ -9090,6 +8896,7 @@
           <a:p>
             <a:fld id="{DDBE135E-2566-4748-853C-8A3B78F0FB00}" type="slidenum">
               <a:rPr lang="en-GB" smtClean="0"/>
+              <a:t>16</a:t>
             </a:fld>
             <a:endParaRPr lang="en-GB" dirty="0"/>
           </a:p>
@@ -9104,7 +8911,7 @@
           <p:nvPr/>
         </p:nvPicPr>
         <p:blipFill>
-          <a:blip r:embed="rId1">
+          <a:blip r:embed="rId3">
             <a:extLst>
               <a:ext uri="{28A0092B-C50C-407E-A947-70E740481C1C}">
                 <a14:useLocalDpi xmlns:a14="http://schemas.microsoft.com/office/drawing/2010/main" val="0"/>
@@ -9134,7 +8941,7 @@
           <p:nvPr/>
         </p:nvPicPr>
         <p:blipFill>
-          <a:blip r:embed="rId2">
+          <a:blip r:embed="rId4">
             <a:extLst>
               <a:ext uri="{28A0092B-C50C-407E-A947-70E740481C1C}">
                 <a14:useLocalDpi xmlns:a14="http://schemas.microsoft.com/office/drawing/2010/main" val="0"/>
@@ -9328,21 +9135,18 @@
               <a:rPr lang="en-US" altLang="zh-CN" sz="1600" dirty="0"/>
               <a:t>User Interface</a:t>
             </a:r>
-            <a:endParaRPr lang="en-US" altLang="zh-CN" sz="1600" dirty="0"/>
           </a:p>
           <a:p>
             <a:r>
               <a:rPr lang="en-US" sz="1400" b="0" dirty="0"/>
               <a:t>Data visualization capabilities</a:t>
             </a:r>
-            <a:endParaRPr lang="en-US" sz="1400" b="0" dirty="0"/>
           </a:p>
           <a:p>
             <a:r>
               <a:rPr lang="en-US" sz="1400" b="0" dirty="0"/>
               <a:t>Easy integration with MATLAB's computational functions</a:t>
             </a:r>
-            <a:endParaRPr lang="en-US" sz="1400" b="0" dirty="0"/>
           </a:p>
           <a:p>
             <a:r>
@@ -9428,6 +9232,7 @@
           <a:p>
             <a:fld id="{DDBE135E-2566-4748-853C-8A3B78F0FB00}" type="slidenum">
               <a:rPr lang="en-GB" smtClean="0"/>
+              <a:t>17</a:t>
             </a:fld>
             <a:endParaRPr lang="en-GB" dirty="0"/>
           </a:p>
@@ -9442,7 +9247,7 @@
           <p:nvPr/>
         </p:nvPicPr>
         <p:blipFill>
-          <a:blip r:embed="rId1">
+          <a:blip r:embed="rId2">
             <a:extLst>
               <a:ext uri="{28A0092B-C50C-407E-A947-70E740481C1C}">
                 <a14:useLocalDpi xmlns:a14="http://schemas.microsoft.com/office/drawing/2010/main" val="0"/>
@@ -9538,6 +9343,7 @@
           <a:p>
             <a:fld id="{DDBE135E-2566-4748-853C-8A3B78F0FB00}" type="slidenum">
               <a:rPr lang="en-GB" smtClean="0"/>
+              <a:t>18</a:t>
             </a:fld>
             <a:endParaRPr lang="en-GB" dirty="0"/>
           </a:p>
@@ -9552,7 +9358,7 @@
           <p:nvPr/>
         </p:nvPicPr>
         <p:blipFill>
-          <a:blip r:embed="rId1"/>
+          <a:blip r:embed="rId2"/>
           <a:stretch>
             <a:fillRect/>
           </a:stretch>
@@ -9642,6 +9448,7 @@
           <a:p>
             <a:fld id="{DDBE135E-2566-4748-853C-8A3B78F0FB00}" type="slidenum">
               <a:rPr lang="en-GB" smtClean="0"/>
+              <a:t>19</a:t>
             </a:fld>
             <a:endParaRPr lang="en-GB" dirty="0"/>
           </a:p>
@@ -9656,7 +9463,7 @@
           <p:nvPr/>
         </p:nvPicPr>
         <p:blipFill rotWithShape="1">
-          <a:blip r:embed="rId1">
+          <a:blip r:embed="rId2">
             <a:extLst>
               <a:ext uri="{28A0092B-C50C-407E-A947-70E740481C1C}">
                 <a14:useLocalDpi xmlns:a14="http://schemas.microsoft.com/office/drawing/2010/main" val="0"/>
@@ -9750,7 +9557,6 @@
               <a:rPr lang="en-GB" dirty="0"/>
               <a:t>Members and Roles</a:t>
             </a:r>
-            <a:endParaRPr lang="en-GB" dirty="0"/>
           </a:p>
         </p:txBody>
       </p:sp>
@@ -9776,6 +9582,7 @@
           <a:p>
             <a:fld id="{DDBE135E-2566-4748-853C-8A3B78F0FB00}" type="slidenum">
               <a:rPr lang="en-GB" smtClean="0"/>
+              <a:t>2</a:t>
             </a:fld>
             <a:endParaRPr lang="en-GB" dirty="0"/>
           </a:p>
@@ -9805,63 +9612,54 @@
               <a:rPr lang="en-IE" sz="1600" dirty="0"/>
               <a:t>Algorithm Engineer – Tan</a:t>
             </a:r>
-            <a:endParaRPr lang="en-IE" sz="1600" dirty="0"/>
           </a:p>
           <a:p>
             <a:r>
               <a:rPr lang="en-IE" sz="1600" dirty="0"/>
               <a:t>	- Algorithm Research</a:t>
             </a:r>
-            <a:endParaRPr lang="en-IE" sz="1600" dirty="0"/>
           </a:p>
           <a:p>
             <a:r>
               <a:rPr lang="en-IE" sz="1600" dirty="0"/>
               <a:t>	- Algorithm Function Encapsulation</a:t>
             </a:r>
-            <a:endParaRPr lang="en-IE" sz="1600" dirty="0"/>
           </a:p>
           <a:p>
             <a:r>
               <a:rPr lang="en-IE" sz="1600" dirty="0"/>
               <a:t>Reliability Engineer – Gong</a:t>
             </a:r>
-            <a:endParaRPr lang="en-IE" sz="1600" dirty="0"/>
           </a:p>
           <a:p>
             <a:r>
               <a:rPr lang="en-IE" sz="1600" dirty="0"/>
               <a:t>	- Unit Test</a:t>
             </a:r>
-            <a:endParaRPr lang="en-IE" sz="1600" dirty="0"/>
           </a:p>
           <a:p>
             <a:r>
               <a:rPr lang="en-IE" sz="1600" dirty="0"/>
               <a:t>	- E2E Test</a:t>
             </a:r>
-            <a:endParaRPr lang="en-IE" sz="1600" dirty="0"/>
           </a:p>
           <a:p>
             <a:r>
               <a:rPr lang="en-IE" sz="1600" dirty="0"/>
               <a:t>Integration Engineer – Li</a:t>
             </a:r>
-            <a:endParaRPr lang="en-IE" sz="1600" dirty="0"/>
           </a:p>
           <a:p>
             <a:r>
               <a:rPr lang="en-IE" sz="1600" dirty="0"/>
               <a:t>	- System Integration</a:t>
             </a:r>
-            <a:endParaRPr lang="en-IE" sz="1600" dirty="0"/>
           </a:p>
           <a:p>
             <a:r>
               <a:rPr lang="en-IE" sz="1600" dirty="0"/>
               <a:t>	- Code Lint and Review</a:t>
             </a:r>
-            <a:endParaRPr lang="en-IE" sz="1600" dirty="0"/>
           </a:p>
         </p:txBody>
       </p:sp>
@@ -9940,6 +9738,7 @@
           <a:p>
             <a:fld id="{DDBE135E-2566-4748-853C-8A3B78F0FB00}" type="slidenum">
               <a:rPr lang="en-GB" smtClean="0"/>
+              <a:t>20</a:t>
             </a:fld>
             <a:endParaRPr lang="en-GB" dirty="0"/>
           </a:p>
@@ -9954,7 +9753,7 @@
           <p:nvPr/>
         </p:nvPicPr>
         <p:blipFill>
-          <a:blip r:embed="rId1"/>
+          <a:blip r:embed="rId2"/>
           <a:stretch>
             <a:fillRect/>
           </a:stretch>
@@ -10099,6 +9898,7 @@
                 </a:solidFill>
                 <a:latin typeface="Calibri" panose="020F0502020204030204"/>
               </a:rPr>
+              <a:t>21</a:t>
             </a:fld>
             <a:endParaRPr lang="en-IE" sz="1000" b="0" strike="noStrike" spc="-1">
               <a:latin typeface="Times New Roman" panose="02020603050405020304"/>
@@ -10180,7 +9980,7 @@
           <p:nvPr/>
         </p:nvPicPr>
         <p:blipFill>
-          <a:blip r:embed="rId1">
+          <a:blip r:embed="rId3">
             <a:extLst>
               <a:ext uri="{28A0092B-C50C-407E-A947-70E740481C1C}">
                 <a14:useLocalDpi xmlns:a14="http://schemas.microsoft.com/office/drawing/2010/main" val="0"/>
@@ -10210,7 +10010,7 @@
           <p:nvPr/>
         </p:nvPicPr>
         <p:blipFill>
-          <a:blip r:embed="rId2" cstate="print">
+          <a:blip r:embed="rId4" cstate="print">
             <a:extLst>
               <a:ext uri="{28A0092B-C50C-407E-A947-70E740481C1C}">
                 <a14:useLocalDpi xmlns:a14="http://schemas.microsoft.com/office/drawing/2010/main" val="0"/>
@@ -10440,7 +10240,6 @@
               <a:rPr lang="en-IE" sz="1200" b="1" dirty="0"/>
               <a:t> Users from underlying algorithms</a:t>
             </a:r>
-            <a:endParaRPr lang="en-IE" sz="1200" b="1" dirty="0"/>
           </a:p>
           <a:p>
             <a:pPr lvl="1">
@@ -10455,7 +10254,6 @@
               <a:rPr lang="en-US" altLang="en-IE" sz="1200" b="1" dirty="0"/>
               <a:t>(</a:t>
             </a:r>
-            <a:endParaRPr lang="en-US" altLang="en-IE" sz="1200" b="1" dirty="0"/>
           </a:p>
           <a:p>
             <a:pPr marL="295275" lvl="1" indent="0">
@@ -10466,7 +10264,6 @@
               <a:rPr lang="en-US" altLang="en-IE" sz="1200" b="1" dirty="0"/>
               <a:t>decrease coupling,</a:t>
             </a:r>
-            <a:endParaRPr lang="en-US" altLang="en-IE" sz="1200" b="1" dirty="0"/>
           </a:p>
           <a:p>
             <a:pPr marL="295275" lvl="1" indent="0">
@@ -10477,7 +10274,6 @@
               <a:rPr lang="en-US" altLang="en-IE" sz="1200" b="1" dirty="0"/>
               <a:t>easier test and intergration </a:t>
             </a:r>
-            <a:endParaRPr lang="en-US" altLang="en-IE" sz="1200" b="1" dirty="0"/>
           </a:p>
           <a:p>
             <a:pPr marL="295275" lvl="1" indent="0">
@@ -10488,7 +10284,6 @@
               <a:rPr lang="en-US" altLang="en-IE" sz="1200" b="1" dirty="0"/>
               <a:t>)</a:t>
             </a:r>
-            <a:endParaRPr lang="en-US" altLang="en-IE" sz="1200" b="1" dirty="0"/>
           </a:p>
         </p:txBody>
       </p:sp>
@@ -10820,6 +10615,7 @@
                 </a:solidFill>
                 <a:latin typeface="Calibri" panose="020F0502020204030204"/>
               </a:rPr>
+              <a:t>22</a:t>
             </a:fld>
             <a:endParaRPr lang="en-IE" sz="1000" b="0" strike="noStrike" spc="-1">
               <a:latin typeface="Times New Roman" panose="02020603050405020304"/>
@@ -10834,7 +10630,7 @@
           <p:nvPr/>
         </p:nvPicPr>
         <p:blipFill>
-          <a:blip r:embed="rId1"/>
+          <a:blip r:embed="rId3"/>
           <a:stretch>
             <a:fillRect/>
           </a:stretch>
@@ -11800,13 +11596,13 @@
         </p:style>
         <p:txBody>
           <a:bodyPr rtlCol="0" anchor="ctr"/>
+          <a:lstStyle/>
           <a:p>
             <a:pPr algn="ctr"/>
             <a:r>
               <a:rPr lang="en-US" altLang="zh-CN" sz="1000"/>
               <a:t>Matlab</a:t>
             </a:r>
-            <a:endParaRPr lang="en-US" altLang="zh-CN" sz="1000"/>
           </a:p>
           <a:p>
             <a:pPr algn="ctr"/>
@@ -11814,7 +11610,6 @@
               <a:rPr lang="en-US" altLang="zh-CN" sz="1000"/>
               <a:t>Application</a:t>
             </a:r>
-            <a:endParaRPr lang="en-US" altLang="zh-CN" sz="1000"/>
           </a:p>
         </p:txBody>
       </p:sp>
@@ -11849,13 +11644,13 @@
         </p:style>
         <p:txBody>
           <a:bodyPr rtlCol="0" anchor="ctr"/>
+          <a:lstStyle/>
           <a:p>
             <a:pPr algn="ctr"/>
             <a:r>
               <a:rPr lang="en-US" altLang="zh-CN" sz="1000"/>
               <a:t>Python</a:t>
             </a:r>
-            <a:endParaRPr lang="en-US" altLang="zh-CN" sz="1000"/>
           </a:p>
           <a:p>
             <a:pPr algn="ctr"/>
@@ -11863,7 +11658,6 @@
               <a:rPr lang="en-US" altLang="zh-CN" sz="1000"/>
               <a:t>Application</a:t>
             </a:r>
-            <a:endParaRPr lang="en-US" altLang="zh-CN" sz="1000"/>
           </a:p>
         </p:txBody>
       </p:sp>
@@ -11997,6 +11791,7 @@
                 </a:solidFill>
                 <a:latin typeface="Calibri" panose="020F0502020204030204"/>
               </a:rPr>
+              <a:t>23</a:t>
             </a:fld>
             <a:endParaRPr lang="en-IE" sz="1000" b="0" strike="noStrike" spc="-1">
               <a:latin typeface="Times New Roman" panose="02020603050405020304"/>
@@ -12011,7 +11806,7 @@
           <p:nvPr/>
         </p:nvPicPr>
         <p:blipFill>
-          <a:blip r:embed="rId1"/>
+          <a:blip r:embed="rId3"/>
           <a:stretch>
             <a:fillRect/>
           </a:stretch>
@@ -12276,7 +12071,6 @@
               <a:rPr lang="en-IE" sz="1200" b="1" dirty="0"/>
               <a:t>Gantt Plan(5 parts)</a:t>
             </a:r>
-            <a:endParaRPr lang="en-IE" sz="1200" b="1" dirty="0"/>
           </a:p>
           <a:p>
             <a:pPr lvl="1">
@@ -12287,7 +12081,6 @@
               <a:rPr lang="en-IE" sz="1200" b="1" dirty="0"/>
               <a:t>Plan And Presentation(4w)</a:t>
             </a:r>
-            <a:endParaRPr lang="en-IE" sz="1200" b="1" dirty="0"/>
           </a:p>
           <a:p>
             <a:pPr lvl="1">
@@ -12302,7 +12095,6 @@
               <a:rPr lang="en-IE" sz="1200" b="1" dirty="0"/>
               <a:t> Implementation(2w)</a:t>
             </a:r>
-            <a:endParaRPr lang="en-IE" sz="1200" b="1" dirty="0"/>
           </a:p>
           <a:p>
             <a:pPr lvl="1">
@@ -12313,7 +12105,6 @@
               <a:rPr lang="en-IE" sz="1200" b="1" dirty="0"/>
               <a:t>Python Implementation(3w)</a:t>
             </a:r>
-            <a:endParaRPr lang="en-IE" sz="1200" b="1" dirty="0"/>
           </a:p>
           <a:p>
             <a:pPr lvl="1">
@@ -12324,7 +12115,6 @@
               <a:rPr lang="en-IE" sz="1200" b="1" dirty="0"/>
               <a:t>Final Presentation(2w)</a:t>
             </a:r>
-            <a:endParaRPr lang="en-IE" sz="1200" b="1" dirty="0"/>
           </a:p>
           <a:p>
             <a:pPr lvl="1">
@@ -12335,7 +12125,6 @@
               <a:rPr lang="en-IE" sz="1200" b="1" dirty="0"/>
               <a:t>Test Other Code(1w)</a:t>
             </a:r>
-            <a:endParaRPr lang="en-IE" sz="1200" b="1" dirty="0"/>
           </a:p>
         </p:txBody>
       </p:sp>
@@ -12521,7 +12310,6 @@
               <a:rPr lang="en-IE" sz="1200" b="1" dirty="0"/>
               <a:t>Gantt Plan Format</a:t>
             </a:r>
-            <a:endParaRPr lang="en-IE" sz="1200" b="1" dirty="0"/>
           </a:p>
           <a:p>
             <a:pPr lvl="1">
@@ -12532,7 +12320,6 @@
               <a:rPr lang="en-IE" sz="1200" b="1" dirty="0"/>
               <a:t>Task Description</a:t>
             </a:r>
-            <a:endParaRPr lang="en-IE" sz="1200" b="1" dirty="0"/>
           </a:p>
           <a:p>
             <a:pPr lvl="1">
@@ -12543,7 +12330,6 @@
               <a:rPr lang="en-IE" sz="1200" b="1" dirty="0"/>
               <a:t>Expected Result</a:t>
             </a:r>
-            <a:endParaRPr lang="en-IE" sz="1200" b="1" dirty="0"/>
           </a:p>
           <a:p>
             <a:pPr lvl="1">
@@ -12554,7 +12340,6 @@
               <a:rPr lang="en-IE" sz="1200" b="1" dirty="0"/>
               <a:t>Responsibility</a:t>
             </a:r>
-            <a:endParaRPr lang="en-IE" sz="1200" b="1" dirty="0"/>
           </a:p>
           <a:p>
             <a:pPr lvl="1">
@@ -12565,7 +12350,6 @@
               <a:rPr lang="en-IE" sz="1200" b="1" dirty="0"/>
               <a:t>Weekly Node</a:t>
             </a:r>
-            <a:endParaRPr lang="en-IE" sz="1200" b="1" dirty="0"/>
           </a:p>
         </p:txBody>
       </p:sp>
@@ -12699,6 +12483,7 @@
                 </a:solidFill>
                 <a:latin typeface="Calibri" panose="020F0502020204030204"/>
               </a:rPr>
+              <a:t>24</a:t>
             </a:fld>
             <a:endParaRPr lang="en-IE" sz="1000" b="0" strike="noStrike" spc="-1">
               <a:latin typeface="Times New Roman" panose="02020603050405020304"/>
@@ -12933,7 +12718,7 @@
           <p:nvPr/>
         </p:nvPicPr>
         <p:blipFill>
-          <a:blip r:embed="rId1" cstate="print">
+          <a:blip r:embed="rId3" cstate="print">
             <a:extLst>
               <a:ext uri="{28A0092B-C50C-407E-A947-70E740481C1C}">
                 <a14:useLocalDpi xmlns:a14="http://schemas.microsoft.com/office/drawing/2010/main" val="0"/>
@@ -13147,7 +12932,6 @@
               <a:rPr lang="en-IE" sz="1200" b="1" dirty="0"/>
               <a:t>Code Review</a:t>
             </a:r>
-            <a:endParaRPr lang="en-IE" sz="1200" b="1" dirty="0"/>
           </a:p>
           <a:p>
             <a:pPr lvl="1">
@@ -13158,7 +12942,6 @@
               <a:rPr lang="en-IE" sz="1200" b="1" dirty="0"/>
               <a:t>Code Linting</a:t>
             </a:r>
-            <a:endParaRPr lang="en-IE" sz="1200" b="1" dirty="0"/>
           </a:p>
           <a:p>
             <a:pPr lvl="1">
@@ -13169,7 +12952,6 @@
               <a:rPr lang="en-IE" sz="1200" b="1" dirty="0"/>
               <a:t>Code Tuning</a:t>
             </a:r>
-            <a:endParaRPr lang="en-IE" sz="1200" b="1" dirty="0"/>
           </a:p>
         </p:txBody>
       </p:sp>
@@ -13182,7 +12964,7 @@
           <p:nvPr/>
         </p:nvPicPr>
         <p:blipFill>
-          <a:blip r:embed="rId2">
+          <a:blip r:embed="rId4">
             <a:extLst>
               <a:ext uri="{28A0092B-C50C-407E-A947-70E740481C1C}">
                 <a14:useLocalDpi xmlns:a14="http://schemas.microsoft.com/office/drawing/2010/main" val="0"/>
@@ -13400,7 +13182,6 @@
               <a:rPr lang="en-IE" sz="1200" b="1" dirty="0"/>
               <a:t> Testing</a:t>
             </a:r>
-            <a:endParaRPr lang="en-IE" sz="1200" b="1" dirty="0"/>
           </a:p>
           <a:p>
             <a:pPr lvl="1">
@@ -13411,7 +13192,6 @@
               <a:rPr lang="en-IE" sz="1200" b="1" dirty="0"/>
               <a:t>Unit Test</a:t>
             </a:r>
-            <a:endParaRPr lang="en-IE" sz="1200" b="1" dirty="0"/>
           </a:p>
           <a:p>
             <a:pPr lvl="1">
@@ -13422,7 +13202,6 @@
               <a:rPr lang="en-IE" sz="1200" b="1" dirty="0"/>
               <a:t>E2E Test</a:t>
             </a:r>
-            <a:endParaRPr lang="en-IE" sz="1200" b="1" dirty="0"/>
           </a:p>
         </p:txBody>
       </p:sp>
@@ -13435,7 +13214,7 @@
           <p:nvPr/>
         </p:nvPicPr>
         <p:blipFill rotWithShape="1">
-          <a:blip r:embed="rId3"/>
+          <a:blip r:embed="rId5"/>
           <a:srcRect l="67500" t="23985" r="8933" b="28703"/>
           <a:stretch>
             <a:fillRect/>
@@ -13633,7 +13412,6 @@
               <a:rPr lang="en-IE" sz="1200" b="1" dirty="0"/>
               <a:t>Flow control</a:t>
             </a:r>
-            <a:endParaRPr lang="en-IE" sz="1200" b="1" dirty="0"/>
           </a:p>
           <a:p>
             <a:pPr lvl="1">
@@ -13644,7 +13422,6 @@
               <a:rPr lang="en-IE" sz="1200" b="1" dirty="0"/>
               <a:t>Version control</a:t>
             </a:r>
-            <a:endParaRPr lang="en-IE" sz="1200" b="1" dirty="0"/>
           </a:p>
           <a:p>
             <a:pPr lvl="1">
@@ -13655,7 +13432,6 @@
               <a:rPr lang="en-IE" sz="1200" b="1" dirty="0"/>
               <a:t>Document control</a:t>
             </a:r>
-            <a:endParaRPr lang="en-IE" sz="1200" b="1" dirty="0"/>
           </a:p>
         </p:txBody>
       </p:sp>
@@ -13668,7 +13444,7 @@
           <p:nvPr/>
         </p:nvPicPr>
         <p:blipFill>
-          <a:blip r:embed="rId4">
+          <a:blip r:embed="rId6">
             <a:extLst>
               <a:ext uri="{28A0092B-C50C-407E-A947-70E740481C1C}">
                 <a14:useLocalDpi xmlns:a14="http://schemas.microsoft.com/office/drawing/2010/main" val="0"/>
@@ -13882,7 +13658,6 @@
               <a:rPr lang="en-IE" sz="1200" b="1" dirty="0"/>
               <a:t>Cycle benchmarking</a:t>
             </a:r>
-            <a:endParaRPr lang="en-IE" sz="1200" b="1" dirty="0"/>
           </a:p>
           <a:p>
             <a:pPr lvl="1">
@@ -13893,7 +13668,6 @@
               <a:rPr lang="en-IE" sz="1200" b="1" dirty="0"/>
               <a:t>Week nodes plan</a:t>
             </a:r>
-            <a:endParaRPr lang="en-IE" sz="1200" b="1" dirty="0"/>
           </a:p>
           <a:p>
             <a:pPr lvl="1">
@@ -13904,7 +13678,6 @@
               <a:rPr lang="en-IE" sz="1200" b="1" dirty="0"/>
               <a:t>2 meetings / week</a:t>
             </a:r>
-            <a:endParaRPr lang="en-IE" sz="1200" b="1" dirty="0"/>
           </a:p>
         </p:txBody>
       </p:sp>
@@ -13956,7 +13729,6 @@
               <a:rPr lang="en-US" altLang="zh-CN" b="1" dirty="0"/>
               <a:t>In-time</a:t>
             </a:r>
-            <a:endParaRPr lang="en-US" altLang="zh-CN" b="1" dirty="0"/>
           </a:p>
           <a:p>
             <a:pPr algn="ctr"/>
@@ -13964,7 +13736,6 @@
               <a:rPr lang="en-US" altLang="zh-CN" b="1" dirty="0"/>
               <a:t>High-quality</a:t>
             </a:r>
-            <a:endParaRPr lang="en-US" altLang="zh-CN" b="1" dirty="0"/>
           </a:p>
           <a:p>
             <a:pPr algn="ctr"/>
@@ -14020,7 +13791,6 @@
               <a:rPr lang="en-GB" dirty="0"/>
               <a:t>Thank You</a:t>
             </a:r>
-            <a:endParaRPr lang="en-GB" dirty="0"/>
           </a:p>
         </p:txBody>
       </p:sp>
@@ -14096,7 +13866,6 @@
               <a:rPr lang="en-GB" dirty="0"/>
               <a:t>Content</a:t>
             </a:r>
-            <a:endParaRPr lang="en-GB" dirty="0"/>
           </a:p>
         </p:txBody>
       </p:sp>
@@ -14122,6 +13891,7 @@
           <a:p>
             <a:fld id="{DDBE135E-2566-4748-853C-8A3B78F0FB00}" type="slidenum">
               <a:rPr lang="en-GB" smtClean="0"/>
+              <a:t>3</a:t>
             </a:fld>
             <a:endParaRPr lang="en-GB" dirty="0"/>
           </a:p>
@@ -14147,7 +13917,6 @@
               <a:rPr lang="en-US" altLang="zh-CN" dirty="0"/>
               <a:t>Group Introduction</a:t>
             </a:r>
-            <a:endParaRPr lang="en-US" altLang="zh-CN" dirty="0"/>
           </a:p>
           <a:p>
             <a:pPr lvl="1"/>
@@ -14159,6 +13928,27 @@
               </a:rPr>
               <a:t>Mathematical Algorithm</a:t>
             </a:r>
+          </a:p>
+          <a:p>
+            <a:pPr lvl="1"/>
+            <a:r>
+              <a:rPr lang="en-GB" altLang="zh-CN" dirty="0"/>
+              <a:t>Function Blocks</a:t>
+            </a:r>
+          </a:p>
+          <a:p>
+            <a:pPr lvl="1"/>
+            <a:r>
+              <a:rPr lang="en-GB" altLang="zh-CN" dirty="0"/>
+              <a:t>Testing Plan</a:t>
+            </a:r>
+          </a:p>
+          <a:p>
+            <a:pPr lvl="1"/>
+            <a:r>
+              <a:rPr lang="en-GB" altLang="zh-CN" dirty="0"/>
+              <a:t>Flow of Implementation</a:t>
+            </a:r>
             <a:endParaRPr lang="en-US" altLang="zh-CN" sz="2000" b="0" i="0" u="none" strike="noStrike" baseline="0" dirty="0">
               <a:latin typeface="Calibri" panose="020F0502020204030204"/>
               <a:ea typeface="Calibri" panose="020F0502020204030204"/>
@@ -14169,37 +13959,8 @@
             <a:pPr lvl="1"/>
             <a:r>
               <a:rPr lang="en-GB" altLang="zh-CN" dirty="0"/>
-              <a:t>Function Blocks</a:t>
-            </a:r>
-            <a:endParaRPr lang="en-GB" altLang="zh-CN" dirty="0"/>
-          </a:p>
-          <a:p>
-            <a:pPr lvl="1"/>
-            <a:r>
-              <a:rPr lang="en-GB" altLang="zh-CN" dirty="0"/>
-              <a:t>Testing Plan</a:t>
-            </a:r>
-            <a:endParaRPr lang="en-GB" altLang="zh-CN" dirty="0"/>
-          </a:p>
-          <a:p>
-            <a:pPr lvl="1"/>
-            <a:r>
-              <a:rPr lang="en-GB" altLang="zh-CN" dirty="0"/>
-              <a:t>Flow of Implementation</a:t>
-            </a:r>
-            <a:endParaRPr lang="en-US" altLang="zh-CN" sz="2000" b="0" i="0" u="none" strike="noStrike" baseline="0" dirty="0">
-              <a:latin typeface="Calibri" panose="020F0502020204030204"/>
-              <a:ea typeface="Calibri" panose="020F0502020204030204"/>
-              <a:cs typeface="Calibri" panose="020F0502020204030204"/>
-            </a:endParaRPr>
-          </a:p>
-          <a:p>
-            <a:pPr lvl="1"/>
-            <a:r>
-              <a:rPr lang="en-GB" altLang="zh-CN" dirty="0"/>
               <a:t>Milestones and timeline</a:t>
             </a:r>
-            <a:endParaRPr lang="en-GB" altLang="zh-CN" dirty="0"/>
           </a:p>
         </p:txBody>
       </p:sp>
@@ -14251,8 +14012,8 @@
           </a:p>
         </p:txBody>
       </p:sp>
-      <mc:AlternateContent xmlns:mc="http://schemas.openxmlformats.org/markup-compatibility/2006">
-        <mc:Choice xmlns:a14="http://schemas.microsoft.com/office/drawing/2010/main" Requires="a14">
+      <mc:AlternateContent xmlns:mc="http://schemas.openxmlformats.org/markup-compatibility/2006" xmlns:a14="http://schemas.microsoft.com/office/drawing/2010/main">
+        <mc:Choice Requires="a14">
           <p:sp>
             <p:nvSpPr>
               <p:cNvPr id="3" name="文本占位符 2"/>
@@ -14268,6 +14029,7 @@
               <a:bodyPr/>
               <a:lstStyle/>
               <a:p>
+                <a:pPr/>
                 <a14:m>
                   <m:oMathPara xmlns:m="http://schemas.openxmlformats.org/officeDocument/2006/math">
                     <m:oMathParaPr>
@@ -14417,7 +14179,6 @@
                   <a:rPr kumimoji="1" lang="en-GB" altLang="zh-CN" dirty="0"/>
                   <a:t> of the pixel. </a:t>
                 </a:r>
-                <a:endParaRPr kumimoji="1" lang="en-GB" altLang="zh-CN" dirty="0"/>
               </a:p>
               <a:p>
                 <a:r>
@@ -14432,7 +14193,6 @@
                   <a:rPr kumimoji="1" lang="en-GB" altLang="zh-CN" dirty="0"/>
                   <a:t>.</a:t>
                 </a:r>
-                <a:endParaRPr kumimoji="1" lang="en-GB" altLang="zh-CN" dirty="0"/>
               </a:p>
               <a:p>
                 <a:r>
@@ -14447,7 +14207,6 @@
                   <a:rPr kumimoji="1" lang="en-GB" altLang="zh-CN" dirty="0"/>
                   <a:t>.</a:t>
                 </a:r>
-                <a:endParaRPr kumimoji="1" lang="en-GB" altLang="zh-CN" dirty="0"/>
               </a:p>
               <a:p>
                 <a:r>
@@ -14482,16 +14241,11 @@
                   </a:rPr>
                   <a:t>.</a:t>
                 </a:r>
-                <a:endParaRPr kumimoji="1" lang="en-GB" altLang="zh-CN" dirty="0">
-                  <a:solidFill>
-                    <a:srgbClr val="FF0000"/>
-                  </a:solidFill>
-                </a:endParaRPr>
               </a:p>
             </p:txBody>
           </p:sp>
         </mc:Choice>
-        <mc:Fallback>
+        <mc:Fallback xmlns="">
           <p:sp>
             <p:nvSpPr>
               <p:cNvPr id="3" name="文本占位符 2"/>
@@ -14504,7 +14258,7 @@
             </p:nvSpPr>
             <p:spPr>
               <a:blipFill rotWithShape="1">
-                <a:blip r:embed="rId1"/>
+                <a:blip r:embed="rId2"/>
                 <a:stretch>
                   <a:fillRect t="-15" r="4" b="12"/>
                 </a:stretch>
@@ -14578,6 +14332,7 @@
           <a:p>
             <a:fld id="{DDBE135E-2566-4748-853C-8A3B78F0FB00}" type="slidenum">
               <a:rPr lang="en-GB" smtClean="0"/>
+              <a:t>4</a:t>
             </a:fld>
             <a:endParaRPr lang="en-GB" dirty="0"/>
           </a:p>
@@ -14631,8 +14386,8 @@
           </a:p>
         </p:txBody>
       </p:sp>
-      <mc:AlternateContent xmlns:mc="http://schemas.openxmlformats.org/markup-compatibility/2006">
-        <mc:Choice xmlns:a14="http://schemas.microsoft.com/office/drawing/2010/main" Requires="a14">
+      <mc:AlternateContent xmlns:mc="http://schemas.openxmlformats.org/markup-compatibility/2006" xmlns:a14="http://schemas.microsoft.com/office/drawing/2010/main">
+        <mc:Choice Requires="a14">
           <p:sp>
             <p:nvSpPr>
               <p:cNvPr id="3" name="文本占位符 2"/>
@@ -14653,6 +14408,7 @@
               <a:bodyPr/>
               <a:lstStyle/>
               <a:p>
+                <a:pPr/>
                 <a14:m>
                   <m:oMathPara xmlns:m="http://schemas.openxmlformats.org/officeDocument/2006/math">
                     <m:oMathParaPr>
@@ -14792,7 +14548,7 @@
             </p:txBody>
           </p:sp>
         </mc:Choice>
-        <mc:Fallback>
+        <mc:Fallback xmlns="">
           <p:sp>
             <p:nvSpPr>
               <p:cNvPr id="3" name="文本占位符 2"/>
@@ -14809,7 +14565,7 @@
                 <a:ext cx="7500938" cy="469965"/>
               </a:xfrm>
               <a:blipFill rotWithShape="1">
-                <a:blip r:embed="rId1"/>
+                <a:blip r:embed="rId2"/>
                 <a:stretch>
                   <a:fillRect l="-6" t="-34" r="2" b="48"/>
                 </a:stretch>
@@ -14875,13 +14631,14 @@
           <a:p>
             <a:fld id="{DDBE135E-2566-4748-853C-8A3B78F0FB00}" type="slidenum">
               <a:rPr lang="en-GB" smtClean="0"/>
+              <a:t>5</a:t>
             </a:fld>
             <a:endParaRPr lang="en-GB" dirty="0"/>
           </a:p>
         </p:txBody>
       </p:sp>
-      <mc:AlternateContent xmlns:mc="http://schemas.openxmlformats.org/markup-compatibility/2006">
-        <mc:Choice xmlns:a14="http://schemas.microsoft.com/office/drawing/2010/main" Requires="a14">
+      <mc:AlternateContent xmlns:mc="http://schemas.openxmlformats.org/markup-compatibility/2006" xmlns:a14="http://schemas.microsoft.com/office/drawing/2010/main">
+        <mc:Choice Requires="a14">
           <p:sp>
             <p:nvSpPr>
               <p:cNvPr id="8" name="文本框 7"/>
@@ -14904,6 +14661,7 @@
               </a:bodyPr>
               <a:lstStyle/>
               <a:p>
+                <a:pPr/>
                 <a14:m>
                   <m:oMathPara xmlns:m="http://schemas.openxmlformats.org/officeDocument/2006/math">
                     <m:oMathParaPr>
@@ -14943,7 +14701,7 @@
             </p:txBody>
           </p:sp>
         </mc:Choice>
-        <mc:Fallback>
+        <mc:Fallback xmlns="">
           <p:sp>
             <p:nvSpPr>
               <p:cNvPr id="8" name="文本框 7"/>
@@ -14961,7 +14719,7 @@
                 <a:avLst/>
               </a:prstGeom>
               <a:blipFill rotWithShape="1">
-                <a:blip r:embed="rId2"/>
+                <a:blip r:embed="rId3"/>
                 <a:stretch>
                   <a:fillRect l="-13" t="-147" r="-9183" b="82"/>
                 </a:stretch>
@@ -14982,8 +14740,8 @@
           </p:sp>
         </mc:Fallback>
       </mc:AlternateContent>
-      <mc:AlternateContent xmlns:mc="http://schemas.openxmlformats.org/markup-compatibility/2006">
-        <mc:Choice xmlns:a14="http://schemas.microsoft.com/office/drawing/2010/main" Requires="a14">
+      <mc:AlternateContent xmlns:mc="http://schemas.openxmlformats.org/markup-compatibility/2006" xmlns:a14="http://schemas.microsoft.com/office/drawing/2010/main">
+        <mc:Choice Requires="a14">
           <p:sp>
             <p:nvSpPr>
               <p:cNvPr id="9" name="文本框 8"/>
@@ -15006,6 +14764,7 @@
               </a:bodyPr>
               <a:lstStyle/>
               <a:p>
+                <a:pPr/>
                 <a14:m>
                   <m:oMathPara xmlns:m="http://schemas.openxmlformats.org/officeDocument/2006/math">
                     <m:oMathParaPr>
@@ -15045,7 +14804,7 @@
             </p:txBody>
           </p:sp>
         </mc:Choice>
-        <mc:Fallback>
+        <mc:Fallback xmlns="">
           <p:sp>
             <p:nvSpPr>
               <p:cNvPr id="9" name="文本框 8"/>
@@ -15063,7 +14822,7 @@
                 <a:avLst/>
               </a:prstGeom>
               <a:blipFill rotWithShape="1">
-                <a:blip r:embed="rId3"/>
+                <a:blip r:embed="rId4"/>
                 <a:stretch>
                   <a:fillRect l="-30" t="-37" r="-8621" b="120"/>
                 </a:stretch>
@@ -15084,8 +14843,8 @@
           </p:sp>
         </mc:Fallback>
       </mc:AlternateContent>
-      <mc:AlternateContent xmlns:mc="http://schemas.openxmlformats.org/markup-compatibility/2006">
-        <mc:Choice xmlns:a14="http://schemas.microsoft.com/office/drawing/2010/main" Requires="a14">
+      <mc:AlternateContent xmlns:mc="http://schemas.openxmlformats.org/markup-compatibility/2006" xmlns:a14="http://schemas.microsoft.com/office/drawing/2010/main">
+        <mc:Choice Requires="a14">
           <p:sp>
             <p:nvSpPr>
               <p:cNvPr id="10" name="文本框 9"/>
@@ -15108,6 +14867,7 @@
               </a:bodyPr>
               <a:lstStyle/>
               <a:p>
+                <a:pPr/>
                 <a14:m>
                   <m:oMathPara xmlns:m="http://schemas.openxmlformats.org/officeDocument/2006/math">
                     <m:oMathParaPr>
@@ -15147,7 +14907,7 @@
             </p:txBody>
           </p:sp>
         </mc:Choice>
-        <mc:Fallback>
+        <mc:Fallback xmlns="">
           <p:sp>
             <p:nvSpPr>
               <p:cNvPr id="10" name="文本框 9"/>
@@ -15165,7 +14925,7 @@
                 <a:avLst/>
               </a:prstGeom>
               <a:blipFill rotWithShape="1">
-                <a:blip r:embed="rId4"/>
+                <a:blip r:embed="rId5"/>
                 <a:stretch>
                   <a:fillRect l="-13" t="-7" r="-8984" b="90"/>
                 </a:stretch>
@@ -15282,8 +15042,8 @@
           </a:fontRef>
         </p:style>
       </p:cxnSp>
-      <mc:AlternateContent xmlns:mc="http://schemas.openxmlformats.org/markup-compatibility/2006">
-        <mc:Choice xmlns:a14="http://schemas.microsoft.com/office/drawing/2010/main" Requires="a14">
+      <mc:AlternateContent xmlns:mc="http://schemas.openxmlformats.org/markup-compatibility/2006" xmlns:a14="http://schemas.microsoft.com/office/drawing/2010/main">
+        <mc:Choice Requires="a14">
           <p:sp>
             <p:nvSpPr>
               <p:cNvPr id="22" name="文本框 21"/>
@@ -15306,6 +15066,7 @@
               </a:bodyPr>
               <a:lstStyle/>
               <a:p>
+                <a:pPr/>
                 <a14:m>
                   <m:oMathPara xmlns:m="http://schemas.openxmlformats.org/officeDocument/2006/math">
                     <m:oMathParaPr>
@@ -15345,7 +15106,7 @@
             </p:txBody>
           </p:sp>
         </mc:Choice>
-        <mc:Fallback>
+        <mc:Fallback xmlns="">
           <p:sp>
             <p:nvSpPr>
               <p:cNvPr id="22" name="文本框 21"/>
@@ -15363,7 +15124,7 @@
                 <a:avLst/>
               </a:prstGeom>
               <a:blipFill rotWithShape="1">
-                <a:blip r:embed="rId5"/>
+                <a:blip r:embed="rId6"/>
                 <a:stretch>
                   <a:fillRect l="-19" t="-87" r="-11408" b="22"/>
                 </a:stretch>
@@ -15384,8 +15145,8 @@
           </p:sp>
         </mc:Fallback>
       </mc:AlternateContent>
-      <mc:AlternateContent xmlns:mc="http://schemas.openxmlformats.org/markup-compatibility/2006">
-        <mc:Choice xmlns:a14="http://schemas.microsoft.com/office/drawing/2010/main" Requires="a14">
+      <mc:AlternateContent xmlns:mc="http://schemas.openxmlformats.org/markup-compatibility/2006" xmlns:a14="http://schemas.microsoft.com/office/drawing/2010/main">
+        <mc:Choice Requires="a14">
           <p:sp>
             <p:nvSpPr>
               <p:cNvPr id="23" name="文本框 22"/>
@@ -15408,6 +15169,7 @@
               </a:bodyPr>
               <a:lstStyle/>
               <a:p>
+                <a:pPr/>
                 <a14:m>
                   <m:oMathPara xmlns:m="http://schemas.openxmlformats.org/officeDocument/2006/math">
                     <m:oMathParaPr>
@@ -15447,7 +15209,7 @@
             </p:txBody>
           </p:sp>
         </mc:Choice>
-        <mc:Fallback>
+        <mc:Fallback xmlns="">
           <p:sp>
             <p:nvSpPr>
               <p:cNvPr id="23" name="文本框 22"/>
@@ -15465,7 +15227,7 @@
                 <a:avLst/>
               </a:prstGeom>
               <a:blipFill rotWithShape="1">
-                <a:blip r:embed="rId6"/>
+                <a:blip r:embed="rId7"/>
                 <a:stretch>
                   <a:fillRect l="-31" t="-26" r="-11303" b="109"/>
                 </a:stretch>
@@ -15486,8 +15248,8 @@
           </p:sp>
         </mc:Fallback>
       </mc:AlternateContent>
-      <mc:AlternateContent xmlns:mc="http://schemas.openxmlformats.org/markup-compatibility/2006">
-        <mc:Choice xmlns:a14="http://schemas.microsoft.com/office/drawing/2010/main" Requires="a14">
+      <mc:AlternateContent xmlns:mc="http://schemas.openxmlformats.org/markup-compatibility/2006" xmlns:a14="http://schemas.microsoft.com/office/drawing/2010/main">
+        <mc:Choice Requires="a14">
           <p:sp>
             <p:nvSpPr>
               <p:cNvPr id="24" name="文本框 23"/>
@@ -15510,6 +15272,7 @@
               </a:bodyPr>
               <a:lstStyle/>
               <a:p>
+                <a:pPr/>
                 <a14:m>
                   <m:oMathPara xmlns:m="http://schemas.openxmlformats.org/officeDocument/2006/math">
                     <m:oMathParaPr>
@@ -15549,7 +15312,7 @@
             </p:txBody>
           </p:sp>
         </mc:Choice>
-        <mc:Fallback>
+        <mc:Fallback xmlns="">
           <p:sp>
             <p:nvSpPr>
               <p:cNvPr id="24" name="文本框 23"/>
@@ -15567,7 +15330,7 @@
                 <a:avLst/>
               </a:prstGeom>
               <a:blipFill rotWithShape="1">
-                <a:blip r:embed="rId7"/>
+                <a:blip r:embed="rId8"/>
                 <a:stretch>
                   <a:fillRect l="-56" t="-25" r="-10931" b="108"/>
                 </a:stretch>
@@ -15684,8 +15447,8 @@
           </a:fontRef>
         </p:style>
       </p:cxnSp>
-      <mc:AlternateContent xmlns:mc="http://schemas.openxmlformats.org/markup-compatibility/2006">
-        <mc:Choice xmlns:a14="http://schemas.microsoft.com/office/drawing/2010/main" Requires="a14">
+      <mc:AlternateContent xmlns:mc="http://schemas.openxmlformats.org/markup-compatibility/2006" xmlns:a14="http://schemas.microsoft.com/office/drawing/2010/main">
+        <mc:Choice Requires="a14">
           <p:sp>
             <p:nvSpPr>
               <p:cNvPr id="31" name="文本框 30"/>
@@ -15708,6 +15471,7 @@
               </a:bodyPr>
               <a:lstStyle/>
               <a:p>
+                <a:pPr/>
                 <a14:m>
                   <m:oMathPara xmlns:m="http://schemas.openxmlformats.org/officeDocument/2006/math">
                     <m:oMathParaPr>
@@ -15747,7 +15511,7 @@
             </p:txBody>
           </p:sp>
         </mc:Choice>
-        <mc:Fallback>
+        <mc:Fallback xmlns="">
           <p:sp>
             <p:nvSpPr>
               <p:cNvPr id="31" name="文本框 30"/>
@@ -15765,7 +15529,7 @@
                 <a:avLst/>
               </a:prstGeom>
               <a:blipFill rotWithShape="1">
-                <a:blip r:embed="rId8"/>
+                <a:blip r:embed="rId9"/>
                 <a:stretch>
                   <a:fillRect l="-49" t="-147" r="-8266" b="82"/>
                 </a:stretch>
@@ -15786,8 +15550,8 @@
           </p:sp>
         </mc:Fallback>
       </mc:AlternateContent>
-      <mc:AlternateContent xmlns:mc="http://schemas.openxmlformats.org/markup-compatibility/2006">
-        <mc:Choice xmlns:a14="http://schemas.microsoft.com/office/drawing/2010/main" Requires="a14">
+      <mc:AlternateContent xmlns:mc="http://schemas.openxmlformats.org/markup-compatibility/2006" xmlns:a14="http://schemas.microsoft.com/office/drawing/2010/main">
+        <mc:Choice Requires="a14">
           <p:sp>
             <p:nvSpPr>
               <p:cNvPr id="32" name="文本框 31"/>
@@ -15810,6 +15574,7 @@
               </a:bodyPr>
               <a:lstStyle/>
               <a:p>
+                <a:pPr/>
                 <a14:m>
                   <m:oMathPara xmlns:m="http://schemas.openxmlformats.org/officeDocument/2006/math">
                     <m:oMathParaPr>
@@ -15849,7 +15614,7 @@
             </p:txBody>
           </p:sp>
         </mc:Choice>
-        <mc:Fallback>
+        <mc:Fallback xmlns="">
           <p:sp>
             <p:nvSpPr>
               <p:cNvPr id="32" name="文本框 31"/>
@@ -15867,7 +15632,7 @@
                 <a:avLst/>
               </a:prstGeom>
               <a:blipFill rotWithShape="1">
-                <a:blip r:embed="rId8"/>
+                <a:blip r:embed="rId9"/>
                 <a:stretch>
                   <a:fillRect l="-1" t="-131" r="-8314" b="66"/>
                 </a:stretch>
@@ -15888,8 +15653,8 @@
           </p:sp>
         </mc:Fallback>
       </mc:AlternateContent>
-      <mc:AlternateContent xmlns:mc="http://schemas.openxmlformats.org/markup-compatibility/2006">
-        <mc:Choice xmlns:a14="http://schemas.microsoft.com/office/drawing/2010/main" Requires="a14">
+      <mc:AlternateContent xmlns:mc="http://schemas.openxmlformats.org/markup-compatibility/2006" xmlns:a14="http://schemas.microsoft.com/office/drawing/2010/main">
+        <mc:Choice Requires="a14">
           <p:sp>
             <p:nvSpPr>
               <p:cNvPr id="33" name="文本框 32"/>
@@ -15912,6 +15677,7 @@
               </a:bodyPr>
               <a:lstStyle/>
               <a:p>
+                <a:pPr/>
                 <a14:m>
                   <m:oMathPara xmlns:m="http://schemas.openxmlformats.org/officeDocument/2006/math">
                     <m:oMathParaPr>
@@ -15951,7 +15717,7 @@
             </p:txBody>
           </p:sp>
         </mc:Choice>
-        <mc:Fallback>
+        <mc:Fallback xmlns="">
           <p:sp>
             <p:nvSpPr>
               <p:cNvPr id="33" name="文本框 32"/>
@@ -15969,7 +15735,7 @@
                 <a:avLst/>
               </a:prstGeom>
               <a:blipFill rotWithShape="1">
-                <a:blip r:embed="rId8"/>
+                <a:blip r:embed="rId9"/>
                 <a:stretch>
                   <a:fillRect l="-1" t="-72" r="-8314" b="7"/>
                 </a:stretch>
@@ -16264,7 +16030,6 @@
               <a:rPr kumimoji="1" lang="en-US" altLang="zh-CN" sz="2400" b="0" dirty="0"/>
               <a:t>⬇️</a:t>
             </a:r>
-            <a:endParaRPr kumimoji="1" lang="en-US" altLang="zh-CN" sz="2400" b="0" dirty="0"/>
           </a:p>
           <a:p>
             <a:pPr algn="ctr"/>
@@ -16272,7 +16037,6 @@
               <a:rPr kumimoji="1" lang="en-US" altLang="zh-CN" sz="2400" b="0" dirty="0"/>
               <a:t>F and B value estimation</a:t>
             </a:r>
-            <a:endParaRPr kumimoji="1" lang="en-US" altLang="zh-CN" sz="2400" b="0" dirty="0"/>
           </a:p>
           <a:p>
             <a:pPr algn="ctr"/>
@@ -16280,7 +16044,6 @@
               <a:rPr kumimoji="1" lang="en-US" altLang="zh-CN" sz="2400" b="0" dirty="0"/>
               <a:t>⬇️</a:t>
             </a:r>
-            <a:endParaRPr kumimoji="1" lang="en-US" altLang="zh-CN" sz="2400" b="0" dirty="0"/>
           </a:p>
           <a:p>
             <a:pPr algn="ctr"/>
@@ -16292,7 +16055,6 @@
               <a:rPr kumimoji="1" lang="en-US" altLang="zh-CN" sz="2400" b="0" dirty="0"/>
               <a:t> value estimation</a:t>
             </a:r>
-            <a:endParaRPr kumimoji="1" lang="en-US" altLang="zh-CN" sz="2400" b="0" dirty="0"/>
           </a:p>
           <a:p>
             <a:endParaRPr kumimoji="1" lang="en-US" altLang="zh-CN" dirty="0"/>
@@ -16339,6 +16101,7 @@
           <a:p>
             <a:fld id="{DDBE135E-2566-4748-853C-8A3B78F0FB00}" type="slidenum">
               <a:rPr lang="en-GB" smtClean="0"/>
+              <a:t>6</a:t>
             </a:fld>
             <a:endParaRPr lang="en-GB" dirty="0"/>
           </a:p>
@@ -16527,13 +16290,14 @@
           <a:p>
             <a:fld id="{DDBE135E-2566-4748-853C-8A3B78F0FB00}" type="slidenum">
               <a:rPr lang="en-GB" smtClean="0"/>
+              <a:t>7</a:t>
             </a:fld>
             <a:endParaRPr lang="en-GB" dirty="0"/>
           </a:p>
         </p:txBody>
       </p:sp>
-      <mc:AlternateContent xmlns:mc="http://schemas.openxmlformats.org/markup-compatibility/2006">
-        <mc:Choice xmlns:a14="http://schemas.microsoft.com/office/drawing/2010/main" Requires="a14">
+      <mc:AlternateContent xmlns:mc="http://schemas.openxmlformats.org/markup-compatibility/2006" xmlns:a14="http://schemas.microsoft.com/office/drawing/2010/main">
+        <mc:Choice Requires="a14">
           <p:sp>
             <p:nvSpPr>
               <p:cNvPr id="7" name="文本框 6"/>
@@ -16556,6 +16320,7 @@
               </a:bodyPr>
               <a:lstStyle/>
               <a:p>
+                <a:pPr/>
                 <a14:m>
                   <m:oMathPara xmlns:m="http://schemas.openxmlformats.org/officeDocument/2006/math">
                     <m:oMathParaPr>
@@ -16942,7 +16707,7 @@
             </p:txBody>
           </p:sp>
         </mc:Choice>
-        <mc:Fallback>
+        <mc:Fallback xmlns="">
           <p:sp>
             <p:nvSpPr>
               <p:cNvPr id="7" name="文本框 6"/>
@@ -16960,7 +16725,7 @@
                 <a:avLst/>
               </a:prstGeom>
               <a:blipFill rotWithShape="1">
-                <a:blip r:embed="rId1"/>
+                <a:blip r:embed="rId2"/>
                 <a:stretch>
                   <a:fillRect l="-2" t="-41" r="9" b="69"/>
                 </a:stretch>
@@ -16981,8 +16746,8 @@
           </p:sp>
         </mc:Fallback>
       </mc:AlternateContent>
-      <mc:AlternateContent xmlns:mc="http://schemas.openxmlformats.org/markup-compatibility/2006">
-        <mc:Choice xmlns:a14="http://schemas.microsoft.com/office/drawing/2010/main" Requires="a14">
+      <mc:AlternateContent xmlns:mc="http://schemas.openxmlformats.org/markup-compatibility/2006" xmlns:a14="http://schemas.microsoft.com/office/drawing/2010/main">
+        <mc:Choice Requires="a14">
           <p:sp>
             <p:nvSpPr>
               <p:cNvPr id="9" name="文本框 8"/>
@@ -17005,6 +16770,7 @@
               </a:bodyPr>
               <a:lstStyle/>
               <a:p>
+                <a:pPr/>
                 <a14:m>
                   <m:oMathPara xmlns:m="http://schemas.openxmlformats.org/officeDocument/2006/math">
                     <m:oMathParaPr>
@@ -17355,7 +17121,7 @@
             </p:txBody>
           </p:sp>
         </mc:Choice>
-        <mc:Fallback>
+        <mc:Fallback xmlns="">
           <p:sp>
             <p:nvSpPr>
               <p:cNvPr id="9" name="文本框 8"/>
@@ -17373,7 +17139,7 @@
                 <a:avLst/>
               </a:prstGeom>
               <a:blipFill rotWithShape="1">
-                <a:blip r:embed="rId2"/>
+                <a:blip r:embed="rId3"/>
                 <a:stretch>
                   <a:fillRect l="-11" t="-13" b="86"/>
                 </a:stretch>
@@ -17678,8 +17444,8 @@
           </a:p>
         </p:txBody>
       </p:sp>
-      <mc:AlternateContent xmlns:mc="http://schemas.openxmlformats.org/markup-compatibility/2006">
-        <mc:Choice xmlns:a14="http://schemas.microsoft.com/office/drawing/2010/main" Requires="a14">
+      <mc:AlternateContent xmlns:mc="http://schemas.openxmlformats.org/markup-compatibility/2006" xmlns:a14="http://schemas.microsoft.com/office/drawing/2010/main">
+        <mc:Choice Requires="a14">
           <p:sp>
             <p:nvSpPr>
               <p:cNvPr id="3" name="文本占位符 2"/>
@@ -17720,7 +17486,6 @@
                   <a:rPr kumimoji="1" lang="en-US" altLang="zh-CN" b="0" i="1" dirty="0"/>
                   <a:t>B</a:t>
                 </a:r>
-                <a:endParaRPr kumimoji="1" lang="en-US" altLang="zh-CN" b="0" i="1" dirty="0"/>
               </a:p>
               <a:p>
                 <a:pPr algn="ctr"/>
@@ -17728,7 +17493,6 @@
                   <a:rPr kumimoji="1" lang="en-US" altLang="zh-CN" b="0" dirty="0"/>
                   <a:t>⬇️</a:t>
                 </a:r>
-                <a:endParaRPr kumimoji="1" lang="en-US" altLang="zh-CN" b="0" dirty="0"/>
               </a:p>
               <a:p>
                 <a:pPr algn="ctr"/>
@@ -17774,9 +17538,9 @@
                   <a:rPr kumimoji="1" lang="en-US" altLang="zh-CN" b="0" dirty="0"/>
                   <a:t>⬇️</a:t>
                 </a:r>
-                <a:endParaRPr kumimoji="1" lang="en-US" altLang="zh-CN" b="0" dirty="0"/>
               </a:p>
               <a:p>
+                <a:pPr/>
                 <a14:m>
                   <m:oMathPara xmlns:m="http://schemas.openxmlformats.org/officeDocument/2006/math">
                     <m:oMathParaPr>
@@ -18010,19 +17774,7 @@
                                   <a:ea typeface="等线" panose="02010600030101010101" pitchFamily="2" charset="-122"/>
                                   <a:cs typeface="Times New Roman" panose="02020603050405020304" pitchFamily="18" charset="0"/>
                                 </a:rPr>
-                                <m:t>1</m:t>
-                              </m:r>
-                              <m:r>
-                                <a:rPr lang="en-US" altLang="zh-CN" sz="1800" i="1" kern="100">
-                                  <a:solidFill>
-                                    <a:srgbClr val="191B1F"/>
-                                  </a:solidFill>
-                                  <a:effectLst/>
-                                  <a:latin typeface="Cambria Math" panose="02040503050406030204" pitchFamily="18" charset="0"/>
-                                  <a:ea typeface="等线" panose="02010600030101010101" pitchFamily="2" charset="-122"/>
-                                  <a:cs typeface="Times New Roman" panose="02020603050405020304" pitchFamily="18" charset="0"/>
-                                </a:rPr>
-                                <m:t>−</m:t>
+                                <m:t>1−</m:t>
                               </m:r>
                               <m:r>
                                 <a:rPr lang="en-US" altLang="zh-CN" sz="1800" i="1" kern="100">
@@ -18294,7 +18046,7 @@
             </p:txBody>
           </p:sp>
         </mc:Choice>
-        <mc:Fallback>
+        <mc:Fallback xmlns="">
           <p:sp>
             <p:nvSpPr>
               <p:cNvPr id="3" name="文本占位符 2"/>
@@ -18307,7 +18059,7 @@
             </p:nvSpPr>
             <p:spPr>
               <a:blipFill rotWithShape="1">
-                <a:blip r:embed="rId1"/>
+                <a:blip r:embed="rId2"/>
                 <a:stretch>
                   <a:fillRect t="-98" r="4" b="-8769"/>
                 </a:stretch>
@@ -18328,8 +18080,8 @@
           </p:sp>
         </mc:Fallback>
       </mc:AlternateContent>
-      <mc:AlternateContent xmlns:mc="http://schemas.openxmlformats.org/markup-compatibility/2006">
-        <mc:Choice xmlns:a14="http://schemas.microsoft.com/office/drawing/2010/main" Requires="a14">
+      <mc:AlternateContent xmlns:mc="http://schemas.openxmlformats.org/markup-compatibility/2006" xmlns:a14="http://schemas.microsoft.com/office/drawing/2010/main">
+        <mc:Choice Requires="a14">
           <p:sp>
             <p:nvSpPr>
               <p:cNvPr id="4" name="文本占位符 3"/>
@@ -18519,7 +18271,7 @@
             </p:txBody>
           </p:sp>
         </mc:Choice>
-        <mc:Fallback>
+        <mc:Fallback xmlns="">
           <p:sp>
             <p:nvSpPr>
               <p:cNvPr id="4" name="文本占位符 3"/>
@@ -18536,7 +18288,7 @@
                 <a:ext cx="7500938" cy="337082"/>
               </a:xfrm>
               <a:blipFill rotWithShape="1">
-                <a:blip r:embed="rId2"/>
+                <a:blip r:embed="rId3"/>
                 <a:stretch>
                   <a:fillRect t="-2" r="4" b="160"/>
                 </a:stretch>
@@ -18574,6 +18326,7 @@
           <a:p>
             <a:fld id="{DDBE135E-2566-4748-853C-8A3B78F0FB00}" type="slidenum">
               <a:rPr lang="en-GB" smtClean="0"/>
+              <a:t>8</a:t>
             </a:fld>
             <a:endParaRPr lang="en-GB" dirty="0"/>
           </a:p>
@@ -18641,14 +18394,15 @@
             </p:nvSpPr>
             <p:spPr>
               <a:xfrm>
-                <a:off x="828675" y="1598649"/>
-                <a:ext cx="7500938" cy="1946202"/>
+                <a:off x="489284" y="1813123"/>
+                <a:ext cx="5778919" cy="1946202"/>
               </a:xfrm>
             </p:spPr>
             <p:txBody>
               <a:bodyPr/>
               <a:lstStyle/>
               <a:p>
+                <a:pPr/>
                 <a14:m>
                   <m:oMathPara xmlns:m="http://schemas.openxmlformats.org/officeDocument/2006/math">
                     <m:oMathParaPr>
@@ -19002,7 +18756,6 @@
                   <a:rPr kumimoji="1" lang="en-US" altLang="zh-CN" sz="2400" b="0" dirty="0"/>
                   <a:t>Weighted Covariance Matrix: Distance</a:t>
                 </a:r>
-                <a:endParaRPr kumimoji="1" lang="en-US" altLang="zh-CN" sz="2400" b="0" dirty="0"/>
               </a:p>
               <a:p>
                 <a:endParaRPr kumimoji="1" lang="zh-CN" altLang="en-US" sz="2400" dirty="0"/>
@@ -19015,7 +18768,7 @@
             <p:nvSpPr>
               <p:cNvPr id="3" name="文本占位符 2"/>
               <p:cNvSpPr>
-                <a:spLocks noRot="1" noChangeAspect="1" noMove="1" noResize="1" noEditPoints="1" noAdjustHandles="1" noChangeArrowheads="1" noChangeShapeType="1" noTextEdit="1"/>
+                <a:spLocks noGrp="1" noRot="1" noChangeAspect="1" noMove="1" noResize="1" noEditPoints="1" noAdjustHandles="1" noChangeArrowheads="1" noChangeShapeType="1" noTextEdit="1"/>
               </p:cNvSpPr>
               <p:nvPr>
                 <p:ph type="body" sz="quarter" idx="10"/>
@@ -19023,13 +18776,13 @@
             </p:nvSpPr>
             <p:spPr>
               <a:xfrm>
-                <a:off x="828675" y="1598649"/>
-                <a:ext cx="7500938" cy="1946202"/>
+                <a:off x="489284" y="1813123"/>
+                <a:ext cx="5778919" cy="1946202"/>
               </a:xfrm>
-              <a:blipFill rotWithShape="1">
-                <a:blip r:embed="rId1"/>
+              <a:blipFill>
+                <a:blip r:embed="rId2"/>
                 <a:stretch>
-                  <a:fillRect t="-18" r="4" b="-24391"/>
+                  <a:fillRect b="-3125"/>
                 </a:stretch>
               </a:blipFill>
             </p:spPr>
@@ -19048,8 +18801,8 @@
           </p:sp>
         </mc:Fallback>
       </mc:AlternateContent>
-      <mc:AlternateContent xmlns:mc="http://schemas.openxmlformats.org/markup-compatibility/2006">
-        <mc:Choice xmlns:a14="http://schemas.microsoft.com/office/drawing/2010/main" Requires="a14">
+      <mc:AlternateContent xmlns:mc="http://schemas.openxmlformats.org/markup-compatibility/2006" xmlns:a14="http://schemas.microsoft.com/office/drawing/2010/main">
+        <mc:Choice Requires="a14">
           <p:sp>
             <p:nvSpPr>
               <p:cNvPr id="4" name="文本占位符 3"/>
@@ -19065,6 +18818,7 @@
               <a:bodyPr/>
               <a:lstStyle/>
               <a:p>
+                <a:pPr/>
                 <a14:m>
                   <m:oMathPara xmlns:m="http://schemas.openxmlformats.org/officeDocument/2006/math">
                     <m:oMathParaPr>
@@ -19105,7 +18859,7 @@
             </p:txBody>
           </p:sp>
         </mc:Choice>
-        <mc:Fallback>
+        <mc:Fallback xmlns="">
           <p:sp>
             <p:nvSpPr>
               <p:cNvPr id="4" name="文本占位符 3"/>
@@ -19118,7 +18872,7 @@
             </p:nvSpPr>
             <p:spPr>
               <a:blipFill rotWithShape="1">
-                <a:blip r:embed="rId2"/>
+                <a:blip r:embed="rId3"/>
                 <a:stretch>
                   <a:fillRect t="-3" r="4" b="-47123"/>
                 </a:stretch>
@@ -19156,11 +18910,42 @@
           <a:p>
             <a:fld id="{DDBE135E-2566-4748-853C-8A3B78F0FB00}" type="slidenum">
               <a:rPr lang="en-GB" smtClean="0"/>
+              <a:t>9</a:t>
             </a:fld>
             <a:endParaRPr lang="en-GB" dirty="0"/>
           </a:p>
         </p:txBody>
       </p:sp>
+      <p:pic>
+        <p:nvPicPr>
+          <p:cNvPr id="7" name="Picture 6">
+            <a:extLst>
+              <a:ext uri="{FF2B5EF4-FFF2-40B4-BE49-F238E27FC236}">
+                <a16:creationId xmlns:a16="http://schemas.microsoft.com/office/drawing/2014/main" id="{70D5F909-6BB0-5E28-AA77-7DA2B830A8F7}"/>
+              </a:ext>
+            </a:extLst>
+          </p:cNvPr>
+          <p:cNvPicPr>
+            <a:picLocks noChangeAspect="1"/>
+          </p:cNvPicPr>
+          <p:nvPr/>
+        </p:nvPicPr>
+        <p:blipFill>
+          <a:blip r:embed="rId4"/>
+          <a:stretch>
+            <a:fillRect/>
+          </a:stretch>
+        </p:blipFill>
+        <p:spPr>
+          <a:xfrm>
+            <a:off x="6594556" y="1107006"/>
+            <a:ext cx="1590007" cy="3752417"/>
+          </a:xfrm>
+          <a:prstGeom prst="rect">
+            <a:avLst/>
+          </a:prstGeom>
+        </p:spPr>
+      </p:pic>
     </p:spTree>
   </p:cSld>
   <p:clrMapOvr>
@@ -19170,8 +18955,8 @@
 </file>
 
 <file path=ppt/tags/tag1.xml><?xml version="1.0" encoding="utf-8"?>
-<p:tagLst xmlns:p="http://schemas.openxmlformats.org/presentationml/2006/main">
-  <p:tag name="commondata" val="eyJoZGlkIjoiODM1MTQ2ZjYwNjY2ZTNmOWMyODA1MzYwYzUwYzE3NmQifQ=="/>
+<p:tagLst xmlns:a="http://schemas.openxmlformats.org/drawingml/2006/main" xmlns:r="http://schemas.openxmlformats.org/officeDocument/2006/relationships" xmlns:p="http://schemas.openxmlformats.org/presentationml/2006/main">
+  <p:tag name="COMMONDATA" val="eyJoZGlkIjoiODM1MTQ2ZjYwNjY2ZTNmOWMyODA1MzYwYzUwYzE3NmQifQ=="/>
 </p:tagLst>
 </file>
 
@@ -19429,6 +19214,7 @@
       </a:style>
     </a:spDef>
   </a:objectDefaults>
+  <a:extraClrSchemeLst/>
   <a:extLst>
     <a:ext uri="{05A4C25C-085E-4340-85A3-A5531E510DB2}">
       <thm15:themeFamily xmlns:thm15="http://schemas.microsoft.com/office/thememl/2012/main" name="Office Theme" id="{62F939B6-93AF-4DB8-9C6B-D6C7DFDC589F}" vid="{4A3C46E8-61CC-4603-A589-7422A47A8E4A}"/>
@@ -19717,6 +19503,8 @@
       </a:bgFillStyleLst>
     </a:fmtScheme>
   </a:themeElements>
+  <a:objectDefaults/>
+  <a:extraClrSchemeLst/>
   <a:extLst>
     <a:ext uri="{05A4C25C-085E-4340-85A3-A5531E510DB2}">
       <thm15:themeFamily xmlns:thm15="http://schemas.microsoft.com/office/thememl/2012/main" name="Office Theme" id="{62F939B6-93AF-4DB8-9C6B-D6C7DFDC589F}" vid="{4A3C46E8-61CC-4603-A589-7422A47A8E4A}"/>
